--- a/帶我進入你同在(崇拜版).pptx
+++ b/帶我進入你同在(崇拜版).pptx
@@ -9,7 +9,7 @@
     <p:sldId id="257" r:id="rId3"/>
     <p:sldId id="258" r:id="rId4"/>
   </p:sldIdLst>
-  <p:sldSz cx="9144000" cy="6858000" type="screen4x3"/>
+  <p:sldSz cx="12192000" cy="6858000"/>
   <p:notesSz cx="6858000" cy="9144000"/>
   <p:defaultTextStyle>
     <a:defPPr>
@@ -106,6 +106,22 @@
       </a:defRPr>
     </a:lvl9pPr>
   </p:defaultTextStyle>
+  <p:extLst>
+    <p:ext uri="{EFAFB233-063F-42B5-8137-9DF3F51BA10A}">
+      <p15:sldGuideLst xmlns:p15="http://schemas.microsoft.com/office/powerpoint/2012/main">
+        <p15:guide id="1" orient="horz" pos="2160" userDrawn="1">
+          <p15:clr>
+            <a:srgbClr val="A4A3A4"/>
+          </p15:clr>
+        </p15:guide>
+        <p15:guide id="2" pos="3840" userDrawn="1">
+          <p15:clr>
+            <a:srgbClr val="A4A3A4"/>
+          </p15:clr>
+        </p15:guide>
+      </p15:sldGuideLst>
+    </p:ext>
+  </p:extLst>
 </p:presentation>
 </file>
 
@@ -138,8 +154,8 @@
         </p:nvSpPr>
         <p:spPr>
           <a:xfrm>
-            <a:off x="685800" y="2130425"/>
-            <a:ext cx="7772400" cy="1470025"/>
+            <a:off x="914400" y="2130426"/>
+            <a:ext cx="10363200" cy="1470025"/>
           </a:xfrm>
         </p:spPr>
         <p:txBody>
@@ -166,8 +182,8 @@
         </p:nvSpPr>
         <p:spPr>
           <a:xfrm>
-            <a:off x="1371600" y="3886200"/>
-            <a:ext cx="6400800" cy="1752600"/>
+            <a:off x="1828800" y="3886200"/>
+            <a:ext cx="8534400" cy="1752600"/>
           </a:xfrm>
         </p:spPr>
         <p:txBody>
@@ -290,7 +306,7 @@
           <a:p>
             <a:fld id="{78DF4E36-B60B-48CB-BA79-838C2F0482A8}" type="datetimeFigureOut">
               <a:rPr lang="zh-TW" altLang="en-US" smtClean="0"/>
-              <a:t>2017/12/10</a:t>
+              <a:t>2020/5/16</a:t>
             </a:fld>
             <a:endParaRPr lang="zh-TW" altLang="en-US"/>
           </a:p>
@@ -455,7 +471,7 @@
           <a:p>
             <a:fld id="{78DF4E36-B60B-48CB-BA79-838C2F0482A8}" type="datetimeFigureOut">
               <a:rPr lang="zh-TW" altLang="en-US" smtClean="0"/>
-              <a:t>2017/12/10</a:t>
+              <a:t>2020/5/16</a:t>
             </a:fld>
             <a:endParaRPr lang="zh-TW" altLang="en-US"/>
           </a:p>
@@ -540,8 +556,8 @@
         </p:nvSpPr>
         <p:spPr>
           <a:xfrm>
-            <a:off x="6629400" y="274638"/>
-            <a:ext cx="2057400" cy="5851525"/>
+            <a:off x="8839200" y="274639"/>
+            <a:ext cx="2743200" cy="5851525"/>
           </a:xfrm>
         </p:spPr>
         <p:txBody>
@@ -568,8 +584,8 @@
         </p:nvSpPr>
         <p:spPr>
           <a:xfrm>
-            <a:off x="457200" y="274638"/>
-            <a:ext cx="6019800" cy="5851525"/>
+            <a:off x="609600" y="274639"/>
+            <a:ext cx="8026400" cy="5851525"/>
           </a:xfrm>
         </p:spPr>
         <p:txBody>
@@ -630,7 +646,7 @@
           <a:p>
             <a:fld id="{78DF4E36-B60B-48CB-BA79-838C2F0482A8}" type="datetimeFigureOut">
               <a:rPr lang="zh-TW" altLang="en-US" smtClean="0"/>
-              <a:t>2017/12/10</a:t>
+              <a:t>2020/5/16</a:t>
             </a:fld>
             <a:endParaRPr lang="zh-TW" altLang="en-US"/>
           </a:p>
@@ -795,7 +811,7 @@
           <a:p>
             <a:fld id="{78DF4E36-B60B-48CB-BA79-838C2F0482A8}" type="datetimeFigureOut">
               <a:rPr lang="zh-TW" altLang="en-US" smtClean="0"/>
-              <a:t>2017/12/10</a:t>
+              <a:t>2020/5/16</a:t>
             </a:fld>
             <a:endParaRPr lang="zh-TW" altLang="en-US"/>
           </a:p>
@@ -880,8 +896,8 @@
         </p:nvSpPr>
         <p:spPr>
           <a:xfrm>
-            <a:off x="722313" y="4406900"/>
-            <a:ext cx="7772400" cy="1362075"/>
+            <a:off x="963084" y="4406901"/>
+            <a:ext cx="10363200" cy="1362075"/>
           </a:xfrm>
         </p:spPr>
         <p:txBody>
@@ -912,8 +928,8 @@
         </p:nvSpPr>
         <p:spPr>
           <a:xfrm>
-            <a:off x="722313" y="2906713"/>
-            <a:ext cx="7772400" cy="1500187"/>
+            <a:off x="963084" y="2906713"/>
+            <a:ext cx="10363200" cy="1500187"/>
           </a:xfrm>
         </p:spPr>
         <p:txBody>
@@ -1036,7 +1052,7 @@
           <a:p>
             <a:fld id="{78DF4E36-B60B-48CB-BA79-838C2F0482A8}" type="datetimeFigureOut">
               <a:rPr lang="zh-TW" altLang="en-US" smtClean="0"/>
-              <a:t>2017/12/10</a:t>
+              <a:t>2020/5/16</a:t>
             </a:fld>
             <a:endParaRPr lang="zh-TW" altLang="en-US"/>
           </a:p>
@@ -1144,8 +1160,8 @@
         </p:nvSpPr>
         <p:spPr>
           <a:xfrm>
-            <a:off x="457200" y="1600200"/>
-            <a:ext cx="4038600" cy="4525963"/>
+            <a:off x="609600" y="1600201"/>
+            <a:ext cx="5384800" cy="4525963"/>
           </a:xfrm>
         </p:spPr>
         <p:txBody>
@@ -1229,8 +1245,8 @@
         </p:nvSpPr>
         <p:spPr>
           <a:xfrm>
-            <a:off x="4648200" y="1600200"/>
-            <a:ext cx="4038600" cy="4525963"/>
+            <a:off x="6197600" y="1600201"/>
+            <a:ext cx="5384800" cy="4525963"/>
           </a:xfrm>
         </p:spPr>
         <p:txBody>
@@ -1319,7 +1335,7 @@
           <a:p>
             <a:fld id="{78DF4E36-B60B-48CB-BA79-838C2F0482A8}" type="datetimeFigureOut">
               <a:rPr lang="zh-TW" altLang="en-US" smtClean="0"/>
-              <a:t>2017/12/10</a:t>
+              <a:t>2020/5/16</a:t>
             </a:fld>
             <a:endParaRPr lang="zh-TW" altLang="en-US"/>
           </a:p>
@@ -1431,8 +1447,8 @@
         </p:nvSpPr>
         <p:spPr>
           <a:xfrm>
-            <a:off x="457200" y="1535113"/>
-            <a:ext cx="4040188" cy="639762"/>
+            <a:off x="609600" y="1535113"/>
+            <a:ext cx="5386917" cy="639762"/>
           </a:xfrm>
         </p:spPr>
         <p:txBody>
@@ -1496,8 +1512,8 @@
         </p:nvSpPr>
         <p:spPr>
           <a:xfrm>
-            <a:off x="457200" y="2174875"/>
-            <a:ext cx="4040188" cy="3951288"/>
+            <a:off x="609600" y="2174875"/>
+            <a:ext cx="5386917" cy="3951288"/>
           </a:xfrm>
         </p:spPr>
         <p:txBody>
@@ -1581,8 +1597,8 @@
         </p:nvSpPr>
         <p:spPr>
           <a:xfrm>
-            <a:off x="4645025" y="1535113"/>
-            <a:ext cx="4041775" cy="639762"/>
+            <a:off x="6193368" y="1535113"/>
+            <a:ext cx="5389033" cy="639762"/>
           </a:xfrm>
         </p:spPr>
         <p:txBody>
@@ -1646,8 +1662,8 @@
         </p:nvSpPr>
         <p:spPr>
           <a:xfrm>
-            <a:off x="4645025" y="2174875"/>
-            <a:ext cx="4041775" cy="3951288"/>
+            <a:off x="6193368" y="2174875"/>
+            <a:ext cx="5389033" cy="3951288"/>
           </a:xfrm>
         </p:spPr>
         <p:txBody>
@@ -1736,7 +1752,7 @@
           <a:p>
             <a:fld id="{78DF4E36-B60B-48CB-BA79-838C2F0482A8}" type="datetimeFigureOut">
               <a:rPr lang="zh-TW" altLang="en-US" smtClean="0"/>
-              <a:t>2017/12/10</a:t>
+              <a:t>2020/5/16</a:t>
             </a:fld>
             <a:endParaRPr lang="zh-TW" altLang="en-US"/>
           </a:p>
@@ -1849,7 +1865,7 @@
           <a:p>
             <a:fld id="{78DF4E36-B60B-48CB-BA79-838C2F0482A8}" type="datetimeFigureOut">
               <a:rPr lang="zh-TW" altLang="en-US" smtClean="0"/>
-              <a:t>2017/12/10</a:t>
+              <a:t>2020/5/16</a:t>
             </a:fld>
             <a:endParaRPr lang="zh-TW" altLang="en-US"/>
           </a:p>
@@ -1939,7 +1955,7 @@
           <a:p>
             <a:fld id="{78DF4E36-B60B-48CB-BA79-838C2F0482A8}" type="datetimeFigureOut">
               <a:rPr lang="zh-TW" altLang="en-US" smtClean="0"/>
-              <a:t>2017/12/10</a:t>
+              <a:t>2020/5/16</a:t>
             </a:fld>
             <a:endParaRPr lang="zh-TW" altLang="en-US"/>
           </a:p>
@@ -2024,8 +2040,8 @@
         </p:nvSpPr>
         <p:spPr>
           <a:xfrm>
-            <a:off x="457200" y="273050"/>
-            <a:ext cx="3008313" cy="1162050"/>
+            <a:off x="609601" y="273050"/>
+            <a:ext cx="4011084" cy="1162050"/>
           </a:xfrm>
         </p:spPr>
         <p:txBody>
@@ -2056,8 +2072,8 @@
         </p:nvSpPr>
         <p:spPr>
           <a:xfrm>
-            <a:off x="3575050" y="273050"/>
-            <a:ext cx="5111750" cy="5853113"/>
+            <a:off x="4766733" y="273051"/>
+            <a:ext cx="6815667" cy="5853113"/>
           </a:xfrm>
         </p:spPr>
         <p:txBody>
@@ -2141,8 +2157,8 @@
         </p:nvSpPr>
         <p:spPr>
           <a:xfrm>
-            <a:off x="457200" y="1435100"/>
-            <a:ext cx="3008313" cy="4691063"/>
+            <a:off x="609601" y="1435101"/>
+            <a:ext cx="4011084" cy="4691063"/>
           </a:xfrm>
         </p:spPr>
         <p:txBody>
@@ -2211,7 +2227,7 @@
           <a:p>
             <a:fld id="{78DF4E36-B60B-48CB-BA79-838C2F0482A8}" type="datetimeFigureOut">
               <a:rPr lang="zh-TW" altLang="en-US" smtClean="0"/>
-              <a:t>2017/12/10</a:t>
+              <a:t>2020/5/16</a:t>
             </a:fld>
             <a:endParaRPr lang="zh-TW" altLang="en-US"/>
           </a:p>
@@ -2296,8 +2312,8 @@
         </p:nvSpPr>
         <p:spPr>
           <a:xfrm>
-            <a:off x="1792288" y="4800600"/>
-            <a:ext cx="5486400" cy="566738"/>
+            <a:off x="2389717" y="4800600"/>
+            <a:ext cx="7315200" cy="566738"/>
           </a:xfrm>
         </p:spPr>
         <p:txBody>
@@ -2328,8 +2344,8 @@
         </p:nvSpPr>
         <p:spPr>
           <a:xfrm>
-            <a:off x="1792288" y="612775"/>
-            <a:ext cx="5486400" cy="4114800"/>
+            <a:off x="2389717" y="612775"/>
+            <a:ext cx="7315200" cy="4114800"/>
           </a:xfrm>
         </p:spPr>
         <p:txBody>
@@ -2393,8 +2409,8 @@
         </p:nvSpPr>
         <p:spPr>
           <a:xfrm>
-            <a:off x="1792288" y="5367338"/>
-            <a:ext cx="5486400" cy="804862"/>
+            <a:off x="2389717" y="5367338"/>
+            <a:ext cx="7315200" cy="804862"/>
           </a:xfrm>
         </p:spPr>
         <p:txBody>
@@ -2463,7 +2479,7 @@
           <a:p>
             <a:fld id="{78DF4E36-B60B-48CB-BA79-838C2F0482A8}" type="datetimeFigureOut">
               <a:rPr lang="zh-TW" altLang="en-US" smtClean="0"/>
-              <a:t>2017/12/10</a:t>
+              <a:t>2020/5/16</a:t>
             </a:fld>
             <a:endParaRPr lang="zh-TW" altLang="en-US"/>
           </a:p>
@@ -2558,8 +2574,8 @@
         </p:nvSpPr>
         <p:spPr>
           <a:xfrm>
-            <a:off x="457200" y="274638"/>
-            <a:ext cx="8229600" cy="1143000"/>
+            <a:off x="609600" y="274638"/>
+            <a:ext cx="10972800" cy="1143000"/>
           </a:xfrm>
           <a:prstGeom prst="rect">
             <a:avLst/>
@@ -2591,8 +2607,8 @@
         </p:nvSpPr>
         <p:spPr>
           <a:xfrm>
-            <a:off x="457200" y="1600200"/>
-            <a:ext cx="8229600" cy="4525963"/>
+            <a:off x="609600" y="1600201"/>
+            <a:ext cx="10972800" cy="4525963"/>
           </a:xfrm>
           <a:prstGeom prst="rect">
             <a:avLst/>
@@ -2653,8 +2669,8 @@
         </p:nvSpPr>
         <p:spPr>
           <a:xfrm>
-            <a:off x="457200" y="6356350"/>
-            <a:ext cx="2133600" cy="365125"/>
+            <a:off x="609600" y="6356351"/>
+            <a:ext cx="2844800" cy="365125"/>
           </a:xfrm>
           <a:prstGeom prst="rect">
             <a:avLst/>
@@ -2676,7 +2692,7 @@
           <a:p>
             <a:fld id="{78DF4E36-B60B-48CB-BA79-838C2F0482A8}" type="datetimeFigureOut">
               <a:rPr lang="zh-TW" altLang="en-US" smtClean="0"/>
-              <a:t>2017/12/10</a:t>
+              <a:t>2020/5/16</a:t>
             </a:fld>
             <a:endParaRPr lang="zh-TW" altLang="en-US"/>
           </a:p>
@@ -2694,8 +2710,8 @@
         </p:nvSpPr>
         <p:spPr>
           <a:xfrm>
-            <a:off x="3124200" y="6356350"/>
-            <a:ext cx="2895600" cy="365125"/>
+            <a:off x="4165600" y="6356351"/>
+            <a:ext cx="3860800" cy="365125"/>
           </a:xfrm>
           <a:prstGeom prst="rect">
             <a:avLst/>
@@ -2731,8 +2747,8 @@
         </p:nvSpPr>
         <p:spPr>
           <a:xfrm>
-            <a:off x="6553200" y="6356350"/>
-            <a:ext cx="2133600" cy="365125"/>
+            <a:off x="8737600" y="6356351"/>
+            <a:ext cx="2844800" cy="365125"/>
           </a:xfrm>
           <a:prstGeom prst="rect">
             <a:avLst/>
@@ -3069,7 +3085,47 @@
                 <a:latin typeface="微軟正黑體" pitchFamily="34" charset="-120"/>
                 <a:ea typeface="微軟正黑體" pitchFamily="34" charset="-120"/>
               </a:rPr>
-              <a:t>帶我進入你同在</a:t>
+              <a:t>帶我進</a:t>
+            </a:r>
+            <a:r>
+              <a:rPr lang="zh-TW" altLang="en-US" b="1" dirty="0" smtClean="0">
+                <a:solidFill>
+                  <a:srgbClr val="000066"/>
+                </a:solidFill>
+                <a:latin typeface="微軟正黑體" pitchFamily="34" charset="-120"/>
+                <a:ea typeface="微軟正黑體" pitchFamily="34" charset="-120"/>
+              </a:rPr>
+              <a:t>入</a:t>
+            </a:r>
+            <a:r>
+              <a:rPr lang="zh-CN" altLang="en-US" b="1" dirty="0" smtClean="0">
+                <a:solidFill>
+                  <a:srgbClr val="000066"/>
+                </a:solidFill>
+                <a:latin typeface="微軟正黑體" pitchFamily="34" charset="-120"/>
+                <a:ea typeface="微軟正黑體" pitchFamily="34" charset="-120"/>
+              </a:rPr>
+              <a:t>袮</a:t>
+            </a:r>
+            <a:r>
+              <a:rPr lang="zh-TW" altLang="en-US" b="1" dirty="0" smtClean="0">
+                <a:solidFill>
+                  <a:srgbClr val="000066"/>
+                </a:solidFill>
+                <a:latin typeface="微軟正黑體" pitchFamily="34" charset="-120"/>
+                <a:ea typeface="微軟正黑體" pitchFamily="34" charset="-120"/>
+              </a:rPr>
+              <a:t>同</a:t>
+            </a:r>
+            <a:r>
+              <a:rPr lang="zh-TW" altLang="en-US" b="1" dirty="0" smtClean="0">
+                <a:solidFill>
+                  <a:srgbClr val="000066"/>
+                </a:solidFill>
+                <a:latin typeface="微軟正黑體" pitchFamily="34" charset="-120"/>
+                <a:ea typeface="微軟正黑體" pitchFamily="34" charset="-120"/>
+              </a:rPr>
+              <a:t>在</a:t>
             </a:r>
             <a:endParaRPr lang="zh-TW" altLang="en-US" b="1" dirty="0">
               <a:solidFill>
@@ -3102,26 +3158,16 @@
               <a:buNone/>
             </a:pPr>
             <a:r>
-              <a:rPr lang="zh-TW" altLang="en-US" sz="5400" b="1" dirty="0" smtClean="0">
-                <a:solidFill>
-                  <a:srgbClr val="000066"/>
-                </a:solidFill>
-                <a:latin typeface="微軟正黑體" pitchFamily="34" charset="-120"/>
-                <a:ea typeface="微軟正黑體" pitchFamily="34" charset="-120"/>
-              </a:rPr>
-              <a:t>萬軍</a:t>
-            </a:r>
-            <a:r>
-              <a:rPr lang="zh-TW" altLang="en-US" sz="5400" b="1" dirty="0" smtClean="0">
-                <a:solidFill>
-                  <a:srgbClr val="000066"/>
-                </a:solidFill>
-                <a:latin typeface="微軟正黑體" pitchFamily="34" charset="-120"/>
-                <a:ea typeface="微軟正黑體" pitchFamily="34" charset="-120"/>
-              </a:rPr>
-              <a:t>耶和華</a:t>
-            </a:r>
-            <a:endParaRPr lang="en-US" altLang="zh-TW" sz="5400" b="1" dirty="0" smtClean="0">
+              <a:rPr lang="zh-TW" altLang="en-US" sz="5400" b="1" dirty="0">
+                <a:solidFill>
+                  <a:srgbClr val="000066"/>
+                </a:solidFill>
+                <a:latin typeface="微軟正黑體" pitchFamily="34" charset="-120"/>
+                <a:ea typeface="微軟正黑體" pitchFamily="34" charset="-120"/>
+              </a:rPr>
+              <a:t>萬軍耶和華</a:t>
+            </a:r>
+            <a:endParaRPr lang="en-US" altLang="zh-TW" sz="5400" b="1" dirty="0">
               <a:solidFill>
                 <a:srgbClr val="000066"/>
               </a:solidFill>
@@ -3134,6 +3180,16 @@
               <a:buNone/>
             </a:pPr>
             <a:r>
+              <a:rPr lang="zh-CN" altLang="en-US" sz="5400" b="1" dirty="0">
+                <a:solidFill>
+                  <a:srgbClr val="000066"/>
+                </a:solidFill>
+                <a:latin typeface="微軟正黑體" pitchFamily="34" charset="-120"/>
+                <a:ea typeface="微軟正黑體" pitchFamily="34" charset="-120"/>
+              </a:rPr>
+              <a:t>袮</a:t>
+            </a:r>
+            <a:r>
               <a:rPr lang="zh-TW" altLang="en-US" sz="5400" b="1" dirty="0" smtClean="0">
                 <a:solidFill>
                   <a:srgbClr val="000066"/>
@@ -3141,29 +3197,19 @@
                 <a:latin typeface="微軟正黑體" pitchFamily="34" charset="-120"/>
                 <a:ea typeface="微軟正黑體" pitchFamily="34" charset="-120"/>
               </a:rPr>
-              <a:t>你</a:t>
-            </a:r>
-            <a:r>
-              <a:rPr lang="zh-TW" altLang="en-US" sz="5400" b="1" dirty="0" smtClean="0">
-                <a:solidFill>
-                  <a:srgbClr val="000066"/>
-                </a:solidFill>
-                <a:latin typeface="微軟正黑體" pitchFamily="34" charset="-120"/>
-                <a:ea typeface="微軟正黑體" pitchFamily="34" charset="-120"/>
-              </a:rPr>
-              <a:t>的居所何等</a:t>
-            </a:r>
-            <a:r>
-              <a:rPr lang="zh-TW" altLang="en-US" sz="5400" b="1" dirty="0" smtClean="0">
-                <a:solidFill>
-                  <a:srgbClr val="000066"/>
-                </a:solidFill>
-                <a:latin typeface="微軟正黑體" pitchFamily="34" charset="-120"/>
-                <a:ea typeface="微軟正黑體" pitchFamily="34" charset="-120"/>
-              </a:rPr>
-              <a:t>可愛</a:t>
-            </a:r>
-            <a:endParaRPr lang="en-US" altLang="zh-TW" sz="5400" b="1" dirty="0" smtClean="0">
+              <a:t>的</a:t>
+            </a:r>
+            <a:r>
+              <a:rPr lang="zh-TW" altLang="en-US" sz="5400" b="1" dirty="0">
+                <a:solidFill>
+                  <a:srgbClr val="000066"/>
+                </a:solidFill>
+                <a:latin typeface="微軟正黑體" pitchFamily="34" charset="-120"/>
+                <a:ea typeface="微軟正黑體" pitchFamily="34" charset="-120"/>
+              </a:rPr>
+              <a:t>居所何等可愛</a:t>
+            </a:r>
+            <a:endParaRPr lang="en-US" altLang="zh-TW" sz="5400" b="1" dirty="0">
               <a:solidFill>
                 <a:srgbClr val="000066"/>
               </a:solidFill>
@@ -3176,6 +3222,16 @@
               <a:buNone/>
             </a:pPr>
             <a:r>
+              <a:rPr lang="zh-TW" altLang="en-US" sz="5400" b="1" dirty="0">
+                <a:solidFill>
+                  <a:srgbClr val="000066"/>
+                </a:solidFill>
+                <a:latin typeface="微軟正黑體" pitchFamily="34" charset="-120"/>
+                <a:ea typeface="微軟正黑體" pitchFamily="34" charset="-120"/>
+              </a:rPr>
+              <a:t>我羨慕渴</a:t>
+            </a:r>
+            <a:r>
               <a:rPr lang="zh-TW" altLang="en-US" sz="5400" b="1" dirty="0" smtClean="0">
                 <a:solidFill>
                   <a:srgbClr val="000066"/>
@@ -3183,7 +3239,17 @@
                 <a:latin typeface="微軟正黑體" pitchFamily="34" charset="-120"/>
                 <a:ea typeface="微軟正黑體" pitchFamily="34" charset="-120"/>
               </a:rPr>
-              <a:t>我</a:t>
+              <a:t>想</a:t>
+            </a:r>
+            <a:r>
+              <a:rPr lang="zh-CN" altLang="en-US" sz="5400" b="1" dirty="0">
+                <a:solidFill>
+                  <a:srgbClr val="000066"/>
+                </a:solidFill>
+                <a:latin typeface="微軟正黑體" pitchFamily="34" charset="-120"/>
+                <a:ea typeface="微軟正黑體" pitchFamily="34" charset="-120"/>
+              </a:rPr>
+              <a:t>袮</a:t>
             </a:r>
             <a:r>
               <a:rPr lang="zh-TW" altLang="en-US" sz="5400" b="1" dirty="0" smtClean="0">
@@ -3193,19 +3259,19 @@
                 <a:latin typeface="微軟正黑體" pitchFamily="34" charset="-120"/>
                 <a:ea typeface="微軟正黑體" pitchFamily="34" charset="-120"/>
               </a:rPr>
-              <a:t>羨慕渴想你的院</a:t>
-            </a:r>
-            <a:r>
-              <a:rPr lang="zh-TW" altLang="en-US" sz="5400" b="1" dirty="0" smtClean="0">
-                <a:solidFill>
-                  <a:srgbClr val="000066"/>
-                </a:solidFill>
-                <a:latin typeface="微軟正黑體" pitchFamily="34" charset="-120"/>
-                <a:ea typeface="微軟正黑體" pitchFamily="34" charset="-120"/>
-              </a:rPr>
-              <a:t>宇</a:t>
-            </a:r>
-            <a:endParaRPr lang="en-US" altLang="zh-TW" sz="5400" b="1" dirty="0" smtClean="0">
+              <a:t>的</a:t>
+            </a:r>
+            <a:r>
+              <a:rPr lang="zh-TW" altLang="en-US" sz="5400" b="1" dirty="0">
+                <a:solidFill>
+                  <a:srgbClr val="000066"/>
+                </a:solidFill>
+                <a:latin typeface="微軟正黑體" pitchFamily="34" charset="-120"/>
+                <a:ea typeface="微軟正黑體" pitchFamily="34" charset="-120"/>
+              </a:rPr>
+              <a:t>院宇</a:t>
+            </a:r>
+            <a:endParaRPr lang="en-US" altLang="zh-TW" sz="5400" b="1" dirty="0">
               <a:solidFill>
                 <a:srgbClr val="000066"/>
               </a:solidFill>
@@ -3218,6 +3284,16 @@
               <a:buNone/>
             </a:pPr>
             <a:r>
+              <a:rPr lang="zh-TW" altLang="en-US" sz="5400" b="1" dirty="0">
+                <a:solidFill>
+                  <a:srgbClr val="000066"/>
+                </a:solidFill>
+                <a:latin typeface="微軟正黑體" pitchFamily="34" charset="-120"/>
+                <a:ea typeface="微軟正黑體" pitchFamily="34" charset="-120"/>
+              </a:rPr>
+              <a:t>我心腸肉體</a:t>
+            </a:r>
+            <a:r>
               <a:rPr lang="zh-TW" altLang="en-US" sz="5400" b="1" dirty="0" smtClean="0">
                 <a:solidFill>
                   <a:srgbClr val="000066"/>
@@ -3225,7 +3301,17 @@
                 <a:latin typeface="微軟正黑體" pitchFamily="34" charset="-120"/>
                 <a:ea typeface="微軟正黑體" pitchFamily="34" charset="-120"/>
               </a:rPr>
-              <a:t>我</a:t>
+              <a:t>向</a:t>
+            </a:r>
+            <a:r>
+              <a:rPr lang="zh-CN" altLang="en-US" sz="5400" b="1" dirty="0">
+                <a:solidFill>
+                  <a:srgbClr val="000066"/>
+                </a:solidFill>
+                <a:latin typeface="微軟正黑體" pitchFamily="34" charset="-120"/>
+                <a:ea typeface="微軟正黑體" pitchFamily="34" charset="-120"/>
+              </a:rPr>
+              <a:t>袮</a:t>
             </a:r>
             <a:r>
               <a:rPr lang="zh-TW" altLang="en-US" sz="5400" b="1" dirty="0" smtClean="0">
@@ -3235,7 +3321,17 @@
                 <a:latin typeface="微軟正黑體" pitchFamily="34" charset="-120"/>
                 <a:ea typeface="微軟正黑體" pitchFamily="34" charset="-120"/>
               </a:rPr>
-              <a:t>心腸肉體向你呼籲</a:t>
+              <a:t>呼</a:t>
+            </a:r>
+            <a:r>
+              <a:rPr lang="zh-TW" altLang="en-US" sz="5400" b="1" dirty="0">
+                <a:solidFill>
+                  <a:srgbClr val="000066"/>
+                </a:solidFill>
+                <a:latin typeface="微軟正黑體" pitchFamily="34" charset="-120"/>
+                <a:ea typeface="微軟正黑體" pitchFamily="34" charset="-120"/>
+              </a:rPr>
+              <a:t>籲</a:t>
             </a:r>
             <a:endParaRPr lang="zh-TW" altLang="en-US" sz="5400" b="1" dirty="0">
               <a:solidFill>
@@ -3295,7 +3391,47 @@
                 <a:latin typeface="微軟正黑體" pitchFamily="34" charset="-120"/>
                 <a:ea typeface="微軟正黑體" pitchFamily="34" charset="-120"/>
               </a:rPr>
-              <a:t>帶我進入你同在</a:t>
+              <a:t>帶我進</a:t>
+            </a:r>
+            <a:r>
+              <a:rPr lang="zh-TW" altLang="en-US" b="1" dirty="0" smtClean="0">
+                <a:solidFill>
+                  <a:srgbClr val="000066"/>
+                </a:solidFill>
+                <a:latin typeface="微軟正黑體" pitchFamily="34" charset="-120"/>
+                <a:ea typeface="微軟正黑體" pitchFamily="34" charset="-120"/>
+              </a:rPr>
+              <a:t>入</a:t>
+            </a:r>
+            <a:r>
+              <a:rPr lang="zh-CN" altLang="en-US" b="1" dirty="0">
+                <a:solidFill>
+                  <a:srgbClr val="000066"/>
+                </a:solidFill>
+                <a:latin typeface="微軟正黑體" pitchFamily="34" charset="-120"/>
+                <a:ea typeface="微軟正黑體" pitchFamily="34" charset="-120"/>
+              </a:rPr>
+              <a:t>袮</a:t>
+            </a:r>
+            <a:r>
+              <a:rPr lang="zh-TW" altLang="en-US" b="1" dirty="0" smtClean="0">
+                <a:solidFill>
+                  <a:srgbClr val="000066"/>
+                </a:solidFill>
+                <a:latin typeface="微軟正黑體" pitchFamily="34" charset="-120"/>
+                <a:ea typeface="微軟正黑體" pitchFamily="34" charset="-120"/>
+              </a:rPr>
+              <a:t>同</a:t>
+            </a:r>
+            <a:r>
+              <a:rPr lang="zh-TW" altLang="en-US" b="1" dirty="0" smtClean="0">
+                <a:solidFill>
+                  <a:srgbClr val="000066"/>
+                </a:solidFill>
+                <a:latin typeface="微軟正黑體" pitchFamily="34" charset="-120"/>
+                <a:ea typeface="微軟正黑體" pitchFamily="34" charset="-120"/>
+              </a:rPr>
+              <a:t>在</a:t>
             </a:r>
             <a:endParaRPr lang="zh-TW" altLang="en-US" b="1" dirty="0">
               <a:solidFill>
@@ -3328,6 +3464,16 @@
               <a:buNone/>
             </a:pPr>
             <a:r>
+              <a:rPr lang="zh-TW" altLang="en-US" sz="5400" b="1" dirty="0">
+                <a:solidFill>
+                  <a:srgbClr val="000066"/>
+                </a:solidFill>
+                <a:latin typeface="微軟正黑體" pitchFamily="34" charset="-120"/>
+                <a:ea typeface="微軟正黑體" pitchFamily="34" charset="-120"/>
+              </a:rPr>
+              <a:t>帶我進</a:t>
+            </a:r>
+            <a:r>
               <a:rPr lang="zh-TW" altLang="en-US" sz="5400" b="1" dirty="0" smtClean="0">
                 <a:solidFill>
                   <a:srgbClr val="000066"/>
@@ -3335,9 +3481,39 @@
                 <a:latin typeface="微軟正黑體" pitchFamily="34" charset="-120"/>
                 <a:ea typeface="微軟正黑體" pitchFamily="34" charset="-120"/>
               </a:rPr>
-              <a:t>帶我進入你的同在</a:t>
-            </a:r>
-            <a:endParaRPr lang="en-US" altLang="zh-TW" sz="5400" b="1" dirty="0" smtClean="0">
+              <a:t>入</a:t>
+            </a:r>
+            <a:r>
+              <a:rPr lang="zh-CN" altLang="en-US" sz="5400" b="1" dirty="0">
+                <a:solidFill>
+                  <a:srgbClr val="000066"/>
+                </a:solidFill>
+                <a:latin typeface="微軟正黑體" pitchFamily="34" charset="-120"/>
+                <a:ea typeface="微軟正黑體" pitchFamily="34" charset="-120"/>
+              </a:rPr>
+              <a:t>袮</a:t>
+            </a:r>
+            <a:r>
+              <a:rPr lang="zh-TW" altLang="en-US" sz="5400" b="1" dirty="0" smtClean="0">
+                <a:solidFill>
+                  <a:srgbClr val="000066"/>
+                </a:solidFill>
+                <a:latin typeface="微軟正黑體" pitchFamily="34" charset="-120"/>
+                <a:ea typeface="微軟正黑體" pitchFamily="34" charset="-120"/>
+              </a:rPr>
+              <a:t>的</a:t>
+            </a:r>
+            <a:r>
+              <a:rPr lang="zh-TW" altLang="en-US" sz="5400" b="1" dirty="0">
+                <a:solidFill>
+                  <a:srgbClr val="000066"/>
+                </a:solidFill>
+                <a:latin typeface="微軟正黑體" pitchFamily="34" charset="-120"/>
+                <a:ea typeface="微軟正黑體" pitchFamily="34" charset="-120"/>
+              </a:rPr>
+              <a:t>同在</a:t>
+            </a:r>
+            <a:endParaRPr lang="en-US" altLang="zh-TW" sz="5400" b="1" dirty="0">
               <a:solidFill>
                 <a:srgbClr val="000066"/>
               </a:solidFill>
@@ -3350,7 +3526,7 @@
               <a:buNone/>
             </a:pPr>
             <a:r>
-              <a:rPr lang="zh-TW" altLang="en-US" sz="5400" b="1" dirty="0" smtClean="0">
+              <a:rPr lang="zh-TW" altLang="en-US" sz="5400" b="1" dirty="0">
                 <a:solidFill>
                   <a:srgbClr val="000066"/>
                 </a:solidFill>
@@ -3359,7 +3535,7 @@
               </a:rPr>
               <a:t>我不滿足只停留現在</a:t>
             </a:r>
-            <a:endParaRPr lang="en-US" altLang="zh-TW" sz="5400" b="1" dirty="0" smtClean="0">
+            <a:endParaRPr lang="en-US" altLang="zh-TW" sz="5400" b="1" dirty="0">
               <a:solidFill>
                 <a:srgbClr val="000066"/>
               </a:solidFill>
@@ -3372,6 +3548,16 @@
               <a:buNone/>
             </a:pPr>
             <a:r>
+              <a:rPr lang="zh-TW" altLang="en-US" sz="5400" b="1" dirty="0">
+                <a:solidFill>
+                  <a:srgbClr val="000066"/>
+                </a:solidFill>
+                <a:latin typeface="微軟正黑體" pitchFamily="34" charset="-120"/>
+                <a:ea typeface="微軟正黑體" pitchFamily="34" charset="-120"/>
+              </a:rPr>
+              <a:t>帶我進</a:t>
+            </a:r>
+            <a:r>
               <a:rPr lang="zh-TW" altLang="en-US" sz="5400" b="1" dirty="0" smtClean="0">
                 <a:solidFill>
                   <a:srgbClr val="000066"/>
@@ -3379,9 +3565,39 @@
                 <a:latin typeface="微軟正黑體" pitchFamily="34" charset="-120"/>
                 <a:ea typeface="微軟正黑體" pitchFamily="34" charset="-120"/>
               </a:rPr>
-              <a:t>帶我進入你的同在</a:t>
-            </a:r>
-            <a:endParaRPr lang="en-US" altLang="zh-TW" sz="5400" b="1" dirty="0" smtClean="0">
+              <a:t>入</a:t>
+            </a:r>
+            <a:r>
+              <a:rPr lang="zh-CN" altLang="en-US" sz="5400" b="1" dirty="0">
+                <a:solidFill>
+                  <a:srgbClr val="000066"/>
+                </a:solidFill>
+                <a:latin typeface="微軟正黑體" pitchFamily="34" charset="-120"/>
+                <a:ea typeface="微軟正黑體" pitchFamily="34" charset="-120"/>
+              </a:rPr>
+              <a:t>袮</a:t>
+            </a:r>
+            <a:r>
+              <a:rPr lang="zh-TW" altLang="en-US" sz="5400" b="1" dirty="0" smtClean="0">
+                <a:solidFill>
+                  <a:srgbClr val="000066"/>
+                </a:solidFill>
+                <a:latin typeface="微軟正黑體" pitchFamily="34" charset="-120"/>
+                <a:ea typeface="微軟正黑體" pitchFamily="34" charset="-120"/>
+              </a:rPr>
+              <a:t>的</a:t>
+            </a:r>
+            <a:r>
+              <a:rPr lang="zh-TW" altLang="en-US" sz="5400" b="1" dirty="0">
+                <a:solidFill>
+                  <a:srgbClr val="000066"/>
+                </a:solidFill>
+                <a:latin typeface="微軟正黑體" pitchFamily="34" charset="-120"/>
+                <a:ea typeface="微軟正黑體" pitchFamily="34" charset="-120"/>
+              </a:rPr>
+              <a:t>同在</a:t>
+            </a:r>
+            <a:endParaRPr lang="en-US" altLang="zh-TW" sz="5400" b="1" dirty="0">
               <a:solidFill>
                 <a:srgbClr val="000066"/>
               </a:solidFill>
@@ -3394,6 +3610,16 @@
               <a:buNone/>
             </a:pPr>
             <a:r>
+              <a:rPr lang="zh-TW" altLang="en-US" sz="5400" b="1" dirty="0">
+                <a:solidFill>
+                  <a:srgbClr val="000066"/>
+                </a:solidFill>
+                <a:latin typeface="微軟正黑體" pitchFamily="34" charset="-120"/>
+                <a:ea typeface="微軟正黑體" pitchFamily="34" charset="-120"/>
+              </a:rPr>
+              <a:t>我心渴</a:t>
+            </a:r>
+            <a:r>
               <a:rPr lang="zh-TW" altLang="en-US" sz="5400" b="1" dirty="0" smtClean="0">
                 <a:solidFill>
                   <a:srgbClr val="000066"/>
@@ -3401,7 +3627,37 @@
                 <a:latin typeface="微軟正黑體" pitchFamily="34" charset="-120"/>
                 <a:ea typeface="微軟正黑體" pitchFamily="34" charset="-120"/>
               </a:rPr>
-              <a:t>我心渴慕你永恆的愛</a:t>
+              <a:t>慕</a:t>
+            </a:r>
+            <a:r>
+              <a:rPr lang="zh-CN" altLang="en-US" sz="5400" b="1" dirty="0">
+                <a:solidFill>
+                  <a:srgbClr val="000066"/>
+                </a:solidFill>
+                <a:latin typeface="微軟正黑體" pitchFamily="34" charset="-120"/>
+                <a:ea typeface="微軟正黑體" pitchFamily="34" charset="-120"/>
+              </a:rPr>
+              <a:t>袮</a:t>
+            </a:r>
+            <a:r>
+              <a:rPr lang="zh-TW" altLang="en-US" sz="5400" b="1" dirty="0" smtClean="0">
+                <a:solidFill>
+                  <a:srgbClr val="000066"/>
+                </a:solidFill>
+                <a:latin typeface="微軟正黑體" pitchFamily="34" charset="-120"/>
+                <a:ea typeface="微軟正黑體" pitchFamily="34" charset="-120"/>
+              </a:rPr>
+              <a:t>永</a:t>
+            </a:r>
+            <a:r>
+              <a:rPr lang="zh-TW" altLang="en-US" sz="5400" b="1" dirty="0">
+                <a:solidFill>
+                  <a:srgbClr val="000066"/>
+                </a:solidFill>
+                <a:latin typeface="微軟正黑體" pitchFamily="34" charset="-120"/>
+                <a:ea typeface="微軟正黑體" pitchFamily="34" charset="-120"/>
+              </a:rPr>
+              <a:t>恆的愛</a:t>
             </a:r>
           </a:p>
         </p:txBody>
@@ -3454,7 +3710,47 @@
                 <a:latin typeface="微軟正黑體" pitchFamily="34" charset="-120"/>
                 <a:ea typeface="微軟正黑體" pitchFamily="34" charset="-120"/>
               </a:rPr>
-              <a:t>帶我進入你同在</a:t>
+              <a:t>帶我進</a:t>
+            </a:r>
+            <a:r>
+              <a:rPr lang="zh-TW" altLang="en-US" b="1" dirty="0" smtClean="0">
+                <a:solidFill>
+                  <a:srgbClr val="000066"/>
+                </a:solidFill>
+                <a:latin typeface="微軟正黑體" pitchFamily="34" charset="-120"/>
+                <a:ea typeface="微軟正黑體" pitchFamily="34" charset="-120"/>
+              </a:rPr>
+              <a:t>入</a:t>
+            </a:r>
+            <a:r>
+              <a:rPr lang="zh-CN" altLang="en-US" b="1" dirty="0">
+                <a:solidFill>
+                  <a:srgbClr val="000066"/>
+                </a:solidFill>
+                <a:latin typeface="微軟正黑體" pitchFamily="34" charset="-120"/>
+                <a:ea typeface="微軟正黑體" pitchFamily="34" charset="-120"/>
+              </a:rPr>
+              <a:t>袮</a:t>
+            </a:r>
+            <a:r>
+              <a:rPr lang="zh-TW" altLang="en-US" b="1" dirty="0" smtClean="0">
+                <a:solidFill>
+                  <a:srgbClr val="000066"/>
+                </a:solidFill>
+                <a:latin typeface="微軟正黑體" pitchFamily="34" charset="-120"/>
+                <a:ea typeface="微軟正黑體" pitchFamily="34" charset="-120"/>
+              </a:rPr>
+              <a:t>同</a:t>
+            </a:r>
+            <a:r>
+              <a:rPr lang="zh-TW" altLang="en-US" b="1" dirty="0" smtClean="0">
+                <a:solidFill>
+                  <a:srgbClr val="000066"/>
+                </a:solidFill>
+                <a:latin typeface="微軟正黑體" pitchFamily="34" charset="-120"/>
+                <a:ea typeface="微軟正黑體" pitchFamily="34" charset="-120"/>
+              </a:rPr>
+              <a:t>在</a:t>
             </a:r>
             <a:endParaRPr lang="zh-TW" altLang="en-US" b="1" dirty="0">
               <a:solidFill>
@@ -3494,9 +3790,39 @@
                 <a:latin typeface="微軟正黑體" pitchFamily="34" charset="-120"/>
                 <a:ea typeface="微軟正黑體" pitchFamily="34" charset="-120"/>
               </a:rPr>
-              <a:t>願你的榮耀從天降下來</a:t>
-            </a:r>
-            <a:endParaRPr lang="en-US" altLang="zh-TW" sz="5400" b="1" dirty="0" smtClean="0">
+              <a:t>願</a:t>
+            </a:r>
+            <a:r>
+              <a:rPr lang="zh-CN" altLang="en-US" sz="5400" b="1" dirty="0">
+                <a:solidFill>
+                  <a:srgbClr val="000066"/>
+                </a:solidFill>
+                <a:latin typeface="微軟正黑體" pitchFamily="34" charset="-120"/>
+                <a:ea typeface="微軟正黑體" pitchFamily="34" charset="-120"/>
+              </a:rPr>
+              <a:t>袮</a:t>
+            </a:r>
+            <a:r>
+              <a:rPr lang="zh-TW" altLang="en-US" sz="5400" b="1" dirty="0" smtClean="0">
+                <a:solidFill>
+                  <a:srgbClr val="000066"/>
+                </a:solidFill>
+                <a:latin typeface="微軟正黑體" pitchFamily="34" charset="-120"/>
+                <a:ea typeface="微軟正黑體" pitchFamily="34" charset="-120"/>
+              </a:rPr>
+              <a:t>的</a:t>
+            </a:r>
+            <a:r>
+              <a:rPr lang="zh-TW" altLang="en-US" sz="5400" b="1" dirty="0">
+                <a:solidFill>
+                  <a:srgbClr val="000066"/>
+                </a:solidFill>
+                <a:latin typeface="微軟正黑體" pitchFamily="34" charset="-120"/>
+                <a:ea typeface="微軟正黑體" pitchFamily="34" charset="-120"/>
+              </a:rPr>
+              <a:t>榮耀從天降下來</a:t>
+            </a:r>
+            <a:endParaRPr lang="en-US" altLang="zh-TW" sz="5400" b="1" dirty="0">
               <a:solidFill>
                 <a:srgbClr val="000066"/>
               </a:solidFill>
@@ -3509,6 +3835,16 @@
               <a:buNone/>
             </a:pPr>
             <a:r>
+              <a:rPr lang="zh-TW" altLang="en-US" sz="5400" b="1" dirty="0">
+                <a:solidFill>
+                  <a:srgbClr val="000066"/>
+                </a:solidFill>
+                <a:latin typeface="微軟正黑體" pitchFamily="34" charset="-120"/>
+                <a:ea typeface="微軟正黑體" pitchFamily="34" charset="-120"/>
+              </a:rPr>
+              <a:t>燃燒每顆愛</a:t>
+            </a:r>
+            <a:r>
               <a:rPr lang="zh-TW" altLang="en-US" sz="5400" b="1" dirty="0" smtClean="0">
                 <a:solidFill>
                   <a:srgbClr val="000066"/>
@@ -3516,9 +3852,39 @@
                 <a:latin typeface="微軟正黑體" pitchFamily="34" charset="-120"/>
                 <a:ea typeface="微軟正黑體" pitchFamily="34" charset="-120"/>
               </a:rPr>
-              <a:t>燃燒每顆愛慕你的心</a:t>
-            </a:r>
-            <a:endParaRPr lang="en-US" altLang="zh-TW" sz="5400" b="1" dirty="0" smtClean="0">
+              <a:t>慕</a:t>
+            </a:r>
+            <a:r>
+              <a:rPr lang="zh-CN" altLang="en-US" sz="5400" b="1" dirty="0">
+                <a:solidFill>
+                  <a:srgbClr val="000066"/>
+                </a:solidFill>
+                <a:latin typeface="微軟正黑體" pitchFamily="34" charset="-120"/>
+                <a:ea typeface="微軟正黑體" pitchFamily="34" charset="-120"/>
+              </a:rPr>
+              <a:t>袮</a:t>
+            </a:r>
+            <a:r>
+              <a:rPr lang="zh-TW" altLang="en-US" sz="5400" b="1" dirty="0" smtClean="0">
+                <a:solidFill>
+                  <a:srgbClr val="000066"/>
+                </a:solidFill>
+                <a:latin typeface="微軟正黑體" pitchFamily="34" charset="-120"/>
+                <a:ea typeface="微軟正黑體" pitchFamily="34" charset="-120"/>
+              </a:rPr>
+              <a:t>的</a:t>
+            </a:r>
+            <a:r>
+              <a:rPr lang="zh-TW" altLang="en-US" sz="5400" b="1" dirty="0">
+                <a:solidFill>
+                  <a:srgbClr val="000066"/>
+                </a:solidFill>
+                <a:latin typeface="微軟正黑體" pitchFamily="34" charset="-120"/>
+                <a:ea typeface="微軟正黑體" pitchFamily="34" charset="-120"/>
+              </a:rPr>
+              <a:t>心</a:t>
+            </a:r>
+            <a:endParaRPr lang="en-US" altLang="zh-TW" sz="5400" b="1" dirty="0">
               <a:solidFill>
                 <a:srgbClr val="000066"/>
               </a:solidFill>
@@ -3538,9 +3904,39 @@
                 <a:latin typeface="微軟正黑體" pitchFamily="34" charset="-120"/>
                 <a:ea typeface="微軟正黑體" pitchFamily="34" charset="-120"/>
               </a:rPr>
-              <a:t>願你的榮耀從天降下來</a:t>
-            </a:r>
-            <a:endParaRPr lang="en-US" altLang="zh-TW" sz="5400" b="1" dirty="0" smtClean="0">
+              <a:t>願</a:t>
+            </a:r>
+            <a:r>
+              <a:rPr lang="zh-CN" altLang="en-US" sz="5400" b="1" dirty="0">
+                <a:solidFill>
+                  <a:srgbClr val="000066"/>
+                </a:solidFill>
+                <a:latin typeface="微軟正黑體" pitchFamily="34" charset="-120"/>
+                <a:ea typeface="微軟正黑體" pitchFamily="34" charset="-120"/>
+              </a:rPr>
+              <a:t>袮</a:t>
+            </a:r>
+            <a:r>
+              <a:rPr lang="zh-TW" altLang="en-US" sz="5400" b="1" dirty="0" smtClean="0">
+                <a:solidFill>
+                  <a:srgbClr val="000066"/>
+                </a:solidFill>
+                <a:latin typeface="微軟正黑體" pitchFamily="34" charset="-120"/>
+                <a:ea typeface="微軟正黑體" pitchFamily="34" charset="-120"/>
+              </a:rPr>
+              <a:t>的</a:t>
+            </a:r>
+            <a:r>
+              <a:rPr lang="zh-TW" altLang="en-US" sz="5400" b="1" dirty="0">
+                <a:solidFill>
+                  <a:srgbClr val="000066"/>
+                </a:solidFill>
+                <a:latin typeface="微軟正黑體" pitchFamily="34" charset="-120"/>
+                <a:ea typeface="微軟正黑體" pitchFamily="34" charset="-120"/>
+              </a:rPr>
+              <a:t>榮耀從天降下來</a:t>
+            </a:r>
+            <a:endParaRPr lang="en-US" altLang="zh-TW" sz="5400" b="1" dirty="0">
               <a:solidFill>
                 <a:srgbClr val="000066"/>
               </a:solidFill>
@@ -3553,7 +3949,7 @@
               <a:buNone/>
             </a:pPr>
             <a:r>
-              <a:rPr lang="zh-TW" altLang="en-US" sz="5400" b="1" dirty="0" smtClean="0">
+              <a:rPr lang="zh-TW" altLang="en-US" sz="5400" b="1" dirty="0">
                 <a:solidFill>
                   <a:srgbClr val="000066"/>
                 </a:solidFill>

--- a/帶我進入你同在(崇拜版).pptx
+++ b/帶我進入你同在(崇拜版).pptx
@@ -306,7 +306,7 @@
           <a:p>
             <a:fld id="{78DF4E36-B60B-48CB-BA79-838C2F0482A8}" type="datetimeFigureOut">
               <a:rPr lang="zh-TW" altLang="en-US" smtClean="0"/>
-              <a:t>2020/5/16</a:t>
+              <a:t>2020/7/10</a:t>
             </a:fld>
             <a:endParaRPr lang="zh-TW" altLang="en-US"/>
           </a:p>
@@ -471,7 +471,7 @@
           <a:p>
             <a:fld id="{78DF4E36-B60B-48CB-BA79-838C2F0482A8}" type="datetimeFigureOut">
               <a:rPr lang="zh-TW" altLang="en-US" smtClean="0"/>
-              <a:t>2020/5/16</a:t>
+              <a:t>2020/7/10</a:t>
             </a:fld>
             <a:endParaRPr lang="zh-TW" altLang="en-US"/>
           </a:p>
@@ -646,7 +646,7 @@
           <a:p>
             <a:fld id="{78DF4E36-B60B-48CB-BA79-838C2F0482A8}" type="datetimeFigureOut">
               <a:rPr lang="zh-TW" altLang="en-US" smtClean="0"/>
-              <a:t>2020/5/16</a:t>
+              <a:t>2020/7/10</a:t>
             </a:fld>
             <a:endParaRPr lang="zh-TW" altLang="en-US"/>
           </a:p>
@@ -811,7 +811,7 @@
           <a:p>
             <a:fld id="{78DF4E36-B60B-48CB-BA79-838C2F0482A8}" type="datetimeFigureOut">
               <a:rPr lang="zh-TW" altLang="en-US" smtClean="0"/>
-              <a:t>2020/5/16</a:t>
+              <a:t>2020/7/10</a:t>
             </a:fld>
             <a:endParaRPr lang="zh-TW" altLang="en-US"/>
           </a:p>
@@ -1052,7 +1052,7 @@
           <a:p>
             <a:fld id="{78DF4E36-B60B-48CB-BA79-838C2F0482A8}" type="datetimeFigureOut">
               <a:rPr lang="zh-TW" altLang="en-US" smtClean="0"/>
-              <a:t>2020/5/16</a:t>
+              <a:t>2020/7/10</a:t>
             </a:fld>
             <a:endParaRPr lang="zh-TW" altLang="en-US"/>
           </a:p>
@@ -1335,7 +1335,7 @@
           <a:p>
             <a:fld id="{78DF4E36-B60B-48CB-BA79-838C2F0482A8}" type="datetimeFigureOut">
               <a:rPr lang="zh-TW" altLang="en-US" smtClean="0"/>
-              <a:t>2020/5/16</a:t>
+              <a:t>2020/7/10</a:t>
             </a:fld>
             <a:endParaRPr lang="zh-TW" altLang="en-US"/>
           </a:p>
@@ -1752,7 +1752,7 @@
           <a:p>
             <a:fld id="{78DF4E36-B60B-48CB-BA79-838C2F0482A8}" type="datetimeFigureOut">
               <a:rPr lang="zh-TW" altLang="en-US" smtClean="0"/>
-              <a:t>2020/5/16</a:t>
+              <a:t>2020/7/10</a:t>
             </a:fld>
             <a:endParaRPr lang="zh-TW" altLang="en-US"/>
           </a:p>
@@ -1865,7 +1865,7 @@
           <a:p>
             <a:fld id="{78DF4E36-B60B-48CB-BA79-838C2F0482A8}" type="datetimeFigureOut">
               <a:rPr lang="zh-TW" altLang="en-US" smtClean="0"/>
-              <a:t>2020/5/16</a:t>
+              <a:t>2020/7/10</a:t>
             </a:fld>
             <a:endParaRPr lang="zh-TW" altLang="en-US"/>
           </a:p>
@@ -1955,7 +1955,7 @@
           <a:p>
             <a:fld id="{78DF4E36-B60B-48CB-BA79-838C2F0482A8}" type="datetimeFigureOut">
               <a:rPr lang="zh-TW" altLang="en-US" smtClean="0"/>
-              <a:t>2020/5/16</a:t>
+              <a:t>2020/7/10</a:t>
             </a:fld>
             <a:endParaRPr lang="zh-TW" altLang="en-US"/>
           </a:p>
@@ -2227,7 +2227,7 @@
           <a:p>
             <a:fld id="{78DF4E36-B60B-48CB-BA79-838C2F0482A8}" type="datetimeFigureOut">
               <a:rPr lang="zh-TW" altLang="en-US" smtClean="0"/>
-              <a:t>2020/5/16</a:t>
+              <a:t>2020/7/10</a:t>
             </a:fld>
             <a:endParaRPr lang="zh-TW" altLang="en-US"/>
           </a:p>
@@ -2479,7 +2479,7 @@
           <a:p>
             <a:fld id="{78DF4E36-B60B-48CB-BA79-838C2F0482A8}" type="datetimeFigureOut">
               <a:rPr lang="zh-TW" altLang="en-US" smtClean="0"/>
-              <a:t>2020/5/16</a:t>
+              <a:t>2020/7/10</a:t>
             </a:fld>
             <a:endParaRPr lang="zh-TW" altLang="en-US"/>
           </a:p>
@@ -2692,7 +2692,7 @@
           <a:p>
             <a:fld id="{78DF4E36-B60B-48CB-BA79-838C2F0482A8}" type="datetimeFigureOut">
               <a:rPr lang="zh-TW" altLang="en-US" smtClean="0"/>
-              <a:t>2020/5/16</a:t>
+              <a:t>2020/7/10</a:t>
             </a:fld>
             <a:endParaRPr lang="zh-TW" altLang="en-US"/>
           </a:p>
@@ -3074,31 +3074,23 @@
         </p:nvSpPr>
         <p:spPr/>
         <p:txBody>
-          <a:bodyPr/>
-          <a:lstStyle/>
-          <a:p>
-            <a:r>
-              <a:rPr lang="zh-TW" altLang="en-US" b="1" dirty="0" smtClean="0">
-                <a:solidFill>
-                  <a:srgbClr val="000066"/>
-                </a:solidFill>
-                <a:latin typeface="微軟正黑體" pitchFamily="34" charset="-120"/>
-                <a:ea typeface="微軟正黑體" pitchFamily="34" charset="-120"/>
-              </a:rPr>
-              <a:t>帶我進</a:t>
-            </a:r>
-            <a:r>
-              <a:rPr lang="zh-TW" altLang="en-US" b="1" dirty="0" smtClean="0">
-                <a:solidFill>
-                  <a:srgbClr val="000066"/>
-                </a:solidFill>
-                <a:latin typeface="微軟正黑體" pitchFamily="34" charset="-120"/>
-                <a:ea typeface="微軟正黑體" pitchFamily="34" charset="-120"/>
-              </a:rPr>
-              <a:t>入</a:t>
-            </a:r>
-            <a:r>
-              <a:rPr lang="zh-CN" altLang="en-US" b="1" dirty="0" smtClean="0">
+          <a:bodyPr>
+            <a:normAutofit/>
+          </a:bodyPr>
+          <a:lstStyle/>
+          <a:p>
+            <a:r>
+              <a:rPr lang="zh-TW" altLang="en-US" sz="4800" b="1" dirty="0" smtClean="0">
+                <a:solidFill>
+                  <a:srgbClr val="000066"/>
+                </a:solidFill>
+                <a:latin typeface="微軟正黑體" pitchFamily="34" charset="-120"/>
+                <a:ea typeface="微軟正黑體" pitchFamily="34" charset="-120"/>
+              </a:rPr>
+              <a:t>帶我進入</a:t>
+            </a:r>
+            <a:r>
+              <a:rPr lang="zh-CN" altLang="en-US" sz="4800" b="1" dirty="0" smtClean="0">
                 <a:solidFill>
                   <a:srgbClr val="000066"/>
                 </a:solidFill>
@@ -3108,26 +3100,16 @@
               <a:t>袮</a:t>
             </a:r>
             <a:r>
-              <a:rPr lang="zh-TW" altLang="en-US" b="1" dirty="0" smtClean="0">
-                <a:solidFill>
-                  <a:srgbClr val="000066"/>
-                </a:solidFill>
-                <a:latin typeface="微軟正黑體" pitchFamily="34" charset="-120"/>
-                <a:ea typeface="微軟正黑體" pitchFamily="34" charset="-120"/>
-              </a:rPr>
-              <a:t>同</a:t>
-            </a:r>
-            <a:r>
-              <a:rPr lang="zh-TW" altLang="en-US" b="1" dirty="0" smtClean="0">
-                <a:solidFill>
-                  <a:srgbClr val="000066"/>
-                </a:solidFill>
-                <a:latin typeface="微軟正黑體" pitchFamily="34" charset="-120"/>
-                <a:ea typeface="微軟正黑體" pitchFamily="34" charset="-120"/>
-              </a:rPr>
-              <a:t>在</a:t>
-            </a:r>
-            <a:endParaRPr lang="zh-TW" altLang="en-US" b="1" dirty="0">
+              <a:rPr lang="zh-TW" altLang="en-US" sz="4800" b="1" dirty="0" smtClean="0">
+                <a:solidFill>
+                  <a:srgbClr val="000066"/>
+                </a:solidFill>
+                <a:latin typeface="微軟正黑體" pitchFamily="34" charset="-120"/>
+                <a:ea typeface="微軟正黑體" pitchFamily="34" charset="-120"/>
+              </a:rPr>
+              <a:t>同在</a:t>
+            </a:r>
+            <a:endParaRPr lang="zh-TW" altLang="en-US" sz="4800" b="1" dirty="0">
               <a:solidFill>
                 <a:srgbClr val="000066"/>
               </a:solidFill>
@@ -3333,13 +3315,6 @@
               </a:rPr>
               <a:t>籲</a:t>
             </a:r>
-            <a:endParaRPr lang="zh-TW" altLang="en-US" sz="5400" b="1" dirty="0">
-              <a:solidFill>
-                <a:srgbClr val="000066"/>
-              </a:solidFill>
-              <a:latin typeface="微軟正黑體" pitchFamily="34" charset="-120"/>
-              <a:ea typeface="微軟正黑體" pitchFamily="34" charset="-120"/>
-            </a:endParaRPr>
           </a:p>
         </p:txBody>
       </p:sp>
@@ -3380,31 +3355,23 @@
         </p:nvSpPr>
         <p:spPr/>
         <p:txBody>
-          <a:bodyPr/>
-          <a:lstStyle/>
-          <a:p>
-            <a:r>
-              <a:rPr lang="zh-TW" altLang="en-US" b="1" dirty="0" smtClean="0">
-                <a:solidFill>
-                  <a:srgbClr val="000066"/>
-                </a:solidFill>
-                <a:latin typeface="微軟正黑體" pitchFamily="34" charset="-120"/>
-                <a:ea typeface="微軟正黑體" pitchFamily="34" charset="-120"/>
-              </a:rPr>
-              <a:t>帶我進</a:t>
-            </a:r>
-            <a:r>
-              <a:rPr lang="zh-TW" altLang="en-US" b="1" dirty="0" smtClean="0">
-                <a:solidFill>
-                  <a:srgbClr val="000066"/>
-                </a:solidFill>
-                <a:latin typeface="微軟正黑體" pitchFamily="34" charset="-120"/>
-                <a:ea typeface="微軟正黑體" pitchFamily="34" charset="-120"/>
-              </a:rPr>
-              <a:t>入</a:t>
-            </a:r>
-            <a:r>
-              <a:rPr lang="zh-CN" altLang="en-US" b="1" dirty="0">
+          <a:bodyPr>
+            <a:normAutofit/>
+          </a:bodyPr>
+          <a:lstStyle/>
+          <a:p>
+            <a:r>
+              <a:rPr lang="zh-TW" altLang="en-US" sz="4800" b="1" dirty="0">
+                <a:solidFill>
+                  <a:srgbClr val="000066"/>
+                </a:solidFill>
+                <a:latin typeface="微軟正黑體" pitchFamily="34" charset="-120"/>
+                <a:ea typeface="微軟正黑體" pitchFamily="34" charset="-120"/>
+              </a:rPr>
+              <a:t>帶我進入</a:t>
+            </a:r>
+            <a:r>
+              <a:rPr lang="zh-CN" altLang="en-US" sz="4800" b="1" dirty="0">
                 <a:solidFill>
                   <a:srgbClr val="000066"/>
                 </a:solidFill>
@@ -3414,26 +3381,16 @@
               <a:t>袮</a:t>
             </a:r>
             <a:r>
-              <a:rPr lang="zh-TW" altLang="en-US" b="1" dirty="0" smtClean="0">
-                <a:solidFill>
-                  <a:srgbClr val="000066"/>
-                </a:solidFill>
-                <a:latin typeface="微軟正黑體" pitchFamily="34" charset="-120"/>
-                <a:ea typeface="微軟正黑體" pitchFamily="34" charset="-120"/>
-              </a:rPr>
-              <a:t>同</a:t>
-            </a:r>
-            <a:r>
-              <a:rPr lang="zh-TW" altLang="en-US" b="1" dirty="0" smtClean="0">
-                <a:solidFill>
-                  <a:srgbClr val="000066"/>
-                </a:solidFill>
-                <a:latin typeface="微軟正黑體" pitchFamily="34" charset="-120"/>
-                <a:ea typeface="微軟正黑體" pitchFamily="34" charset="-120"/>
-              </a:rPr>
-              <a:t>在</a:t>
-            </a:r>
-            <a:endParaRPr lang="zh-TW" altLang="en-US" b="1" dirty="0">
+              <a:rPr lang="zh-TW" altLang="en-US" sz="4800" b="1" dirty="0">
+                <a:solidFill>
+                  <a:srgbClr val="000066"/>
+                </a:solidFill>
+                <a:latin typeface="微軟正黑體" pitchFamily="34" charset="-120"/>
+                <a:ea typeface="微軟正黑體" pitchFamily="34" charset="-120"/>
+              </a:rPr>
+              <a:t>同在</a:t>
+            </a:r>
+            <a:endParaRPr lang="zh-TW" altLang="en-US" sz="4800" b="1" dirty="0">
               <a:solidFill>
                 <a:srgbClr val="000066"/>
               </a:solidFill>
@@ -3699,31 +3656,23 @@
         </p:nvSpPr>
         <p:spPr/>
         <p:txBody>
-          <a:bodyPr/>
-          <a:lstStyle/>
-          <a:p>
-            <a:r>
-              <a:rPr lang="zh-TW" altLang="en-US" b="1" dirty="0" smtClean="0">
-                <a:solidFill>
-                  <a:srgbClr val="000066"/>
-                </a:solidFill>
-                <a:latin typeface="微軟正黑體" pitchFamily="34" charset="-120"/>
-                <a:ea typeface="微軟正黑體" pitchFamily="34" charset="-120"/>
-              </a:rPr>
-              <a:t>帶我進</a:t>
-            </a:r>
-            <a:r>
-              <a:rPr lang="zh-TW" altLang="en-US" b="1" dirty="0" smtClean="0">
-                <a:solidFill>
-                  <a:srgbClr val="000066"/>
-                </a:solidFill>
-                <a:latin typeface="微軟正黑體" pitchFamily="34" charset="-120"/>
-                <a:ea typeface="微軟正黑體" pitchFamily="34" charset="-120"/>
-              </a:rPr>
-              <a:t>入</a:t>
-            </a:r>
-            <a:r>
-              <a:rPr lang="zh-CN" altLang="en-US" b="1" dirty="0">
+          <a:bodyPr>
+            <a:normAutofit/>
+          </a:bodyPr>
+          <a:lstStyle/>
+          <a:p>
+            <a:r>
+              <a:rPr lang="zh-TW" altLang="en-US" sz="4800" b="1" dirty="0">
+                <a:solidFill>
+                  <a:srgbClr val="000066"/>
+                </a:solidFill>
+                <a:latin typeface="微軟正黑體" pitchFamily="34" charset="-120"/>
+                <a:ea typeface="微軟正黑體" pitchFamily="34" charset="-120"/>
+              </a:rPr>
+              <a:t>帶我進入</a:t>
+            </a:r>
+            <a:r>
+              <a:rPr lang="zh-CN" altLang="en-US" sz="4800" b="1" dirty="0">
                 <a:solidFill>
                   <a:srgbClr val="000066"/>
                 </a:solidFill>
@@ -3733,26 +3682,16 @@
               <a:t>袮</a:t>
             </a:r>
             <a:r>
-              <a:rPr lang="zh-TW" altLang="en-US" b="1" dirty="0" smtClean="0">
-                <a:solidFill>
-                  <a:srgbClr val="000066"/>
-                </a:solidFill>
-                <a:latin typeface="微軟正黑體" pitchFamily="34" charset="-120"/>
-                <a:ea typeface="微軟正黑體" pitchFamily="34" charset="-120"/>
-              </a:rPr>
-              <a:t>同</a:t>
-            </a:r>
-            <a:r>
-              <a:rPr lang="zh-TW" altLang="en-US" b="1" dirty="0" smtClean="0">
-                <a:solidFill>
-                  <a:srgbClr val="000066"/>
-                </a:solidFill>
-                <a:latin typeface="微軟正黑體" pitchFamily="34" charset="-120"/>
-                <a:ea typeface="微軟正黑體" pitchFamily="34" charset="-120"/>
-              </a:rPr>
-              <a:t>在</a:t>
-            </a:r>
-            <a:endParaRPr lang="zh-TW" altLang="en-US" b="1" dirty="0">
+              <a:rPr lang="zh-TW" altLang="en-US" sz="4800" b="1" dirty="0">
+                <a:solidFill>
+                  <a:srgbClr val="000066"/>
+                </a:solidFill>
+                <a:latin typeface="微軟正黑體" pitchFamily="34" charset="-120"/>
+                <a:ea typeface="微軟正黑體" pitchFamily="34" charset="-120"/>
+              </a:rPr>
+              <a:t>同在</a:t>
+            </a:r>
+            <a:endParaRPr lang="zh-TW" altLang="en-US" sz="4800" b="1" dirty="0">
               <a:solidFill>
                 <a:srgbClr val="000066"/>
               </a:solidFill>

--- a/帶我進入你同在(崇拜版).pptx
+++ b/帶我進入你同在(崇拜版).pptx
@@ -5,9 +5,13 @@
     <p:sldMasterId id="2147483660" r:id="rId1"/>
   </p:sldMasterIdLst>
   <p:sldIdLst>
-    <p:sldId id="256" r:id="rId2"/>
-    <p:sldId id="257" r:id="rId3"/>
-    <p:sldId id="258" r:id="rId4"/>
+    <p:sldId id="519" r:id="rId2"/>
+    <p:sldId id="520" r:id="rId3"/>
+    <p:sldId id="521" r:id="rId4"/>
+    <p:sldId id="522" r:id="rId5"/>
+    <p:sldId id="523" r:id="rId6"/>
+    <p:sldId id="524" r:id="rId7"/>
+    <p:sldId id="525" r:id="rId8"/>
   </p:sldIdLst>
   <p:sldSz cx="12192000" cy="6858000"/>
   <p:notesSz cx="6858000" cy="9144000"/>
@@ -163,10 +167,9 @@
           <a:lstStyle/>
           <a:p>
             <a:r>
-              <a:rPr lang="zh-TW" altLang="en-US" smtClean="0"/>
+              <a:rPr lang="zh-TW" altLang="en-US"/>
               <a:t>按一下以編輯母片標題樣式</a:t>
             </a:r>
-            <a:endParaRPr lang="zh-TW" altLang="en-US"/>
           </a:p>
         </p:txBody>
       </p:sp>
@@ -282,10 +285,9 @@
           </a:lstStyle>
           <a:p>
             <a:r>
-              <a:rPr lang="zh-TW" altLang="en-US" smtClean="0"/>
+              <a:rPr lang="zh-TW" altLang="en-US"/>
               <a:t>按一下以編輯母片副標題樣式</a:t>
             </a:r>
-            <a:endParaRPr lang="zh-TW" altLang="en-US"/>
           </a:p>
         </p:txBody>
       </p:sp>
@@ -306,7 +308,7 @@
           <a:p>
             <a:fld id="{78DF4E36-B60B-48CB-BA79-838C2F0482A8}" type="datetimeFigureOut">
               <a:rPr lang="zh-TW" altLang="en-US" smtClean="0"/>
-              <a:t>2020/7/10</a:t>
+              <a:t>2023/12/9</a:t>
             </a:fld>
             <a:endParaRPr lang="zh-TW" altLang="en-US"/>
           </a:p>
@@ -395,10 +397,9 @@
           <a:lstStyle/>
           <a:p>
             <a:r>
-              <a:rPr lang="zh-TW" altLang="en-US" smtClean="0"/>
+              <a:rPr lang="zh-TW" altLang="en-US"/>
               <a:t>按一下以編輯母片標題樣式</a:t>
             </a:r>
-            <a:endParaRPr lang="zh-TW" altLang="en-US"/>
           </a:p>
         </p:txBody>
       </p:sp>
@@ -419,38 +420,37 @@
           <a:p>
             <a:pPr lvl="0"/>
             <a:r>
-              <a:rPr lang="zh-TW" altLang="en-US" smtClean="0"/>
+              <a:rPr lang="zh-TW" altLang="en-US"/>
               <a:t>按一下以編輯母片文字樣式</a:t>
             </a:r>
           </a:p>
           <a:p>
             <a:pPr lvl="1"/>
             <a:r>
-              <a:rPr lang="zh-TW" altLang="en-US" smtClean="0"/>
+              <a:rPr lang="zh-TW" altLang="en-US"/>
               <a:t>第二層</a:t>
             </a:r>
           </a:p>
           <a:p>
             <a:pPr lvl="2"/>
             <a:r>
-              <a:rPr lang="zh-TW" altLang="en-US" smtClean="0"/>
+              <a:rPr lang="zh-TW" altLang="en-US"/>
               <a:t>第三層</a:t>
             </a:r>
           </a:p>
           <a:p>
             <a:pPr lvl="3"/>
             <a:r>
-              <a:rPr lang="zh-TW" altLang="en-US" smtClean="0"/>
+              <a:rPr lang="zh-TW" altLang="en-US"/>
               <a:t>第四層</a:t>
             </a:r>
           </a:p>
           <a:p>
             <a:pPr lvl="4"/>
             <a:r>
-              <a:rPr lang="zh-TW" altLang="en-US" smtClean="0"/>
+              <a:rPr lang="zh-TW" altLang="en-US"/>
               <a:t>第五層</a:t>
             </a:r>
-            <a:endParaRPr lang="zh-TW" altLang="en-US"/>
           </a:p>
         </p:txBody>
       </p:sp>
@@ -471,7 +471,7 @@
           <a:p>
             <a:fld id="{78DF4E36-B60B-48CB-BA79-838C2F0482A8}" type="datetimeFigureOut">
               <a:rPr lang="zh-TW" altLang="en-US" smtClean="0"/>
-              <a:t>2020/7/10</a:t>
+              <a:t>2023/12/9</a:t>
             </a:fld>
             <a:endParaRPr lang="zh-TW" altLang="en-US"/>
           </a:p>
@@ -565,10 +565,9 @@
           <a:lstStyle/>
           <a:p>
             <a:r>
-              <a:rPr lang="zh-TW" altLang="en-US" smtClean="0"/>
+              <a:rPr lang="zh-TW" altLang="en-US"/>
               <a:t>按一下以編輯母片標題樣式</a:t>
             </a:r>
-            <a:endParaRPr lang="zh-TW" altLang="en-US"/>
           </a:p>
         </p:txBody>
       </p:sp>
@@ -594,38 +593,37 @@
           <a:p>
             <a:pPr lvl="0"/>
             <a:r>
-              <a:rPr lang="zh-TW" altLang="en-US" smtClean="0"/>
+              <a:rPr lang="zh-TW" altLang="en-US"/>
               <a:t>按一下以編輯母片文字樣式</a:t>
             </a:r>
           </a:p>
           <a:p>
             <a:pPr lvl="1"/>
             <a:r>
-              <a:rPr lang="zh-TW" altLang="en-US" smtClean="0"/>
+              <a:rPr lang="zh-TW" altLang="en-US"/>
               <a:t>第二層</a:t>
             </a:r>
           </a:p>
           <a:p>
             <a:pPr lvl="2"/>
             <a:r>
-              <a:rPr lang="zh-TW" altLang="en-US" smtClean="0"/>
+              <a:rPr lang="zh-TW" altLang="en-US"/>
               <a:t>第三層</a:t>
             </a:r>
           </a:p>
           <a:p>
             <a:pPr lvl="3"/>
             <a:r>
-              <a:rPr lang="zh-TW" altLang="en-US" smtClean="0"/>
+              <a:rPr lang="zh-TW" altLang="en-US"/>
               <a:t>第四層</a:t>
             </a:r>
           </a:p>
           <a:p>
             <a:pPr lvl="4"/>
             <a:r>
-              <a:rPr lang="zh-TW" altLang="en-US" smtClean="0"/>
+              <a:rPr lang="zh-TW" altLang="en-US"/>
               <a:t>第五層</a:t>
             </a:r>
-            <a:endParaRPr lang="zh-TW" altLang="en-US"/>
           </a:p>
         </p:txBody>
       </p:sp>
@@ -646,7 +644,7 @@
           <a:p>
             <a:fld id="{78DF4E36-B60B-48CB-BA79-838C2F0482A8}" type="datetimeFigureOut">
               <a:rPr lang="zh-TW" altLang="en-US" smtClean="0"/>
-              <a:t>2020/7/10</a:t>
+              <a:t>2023/12/9</a:t>
             </a:fld>
             <a:endParaRPr lang="zh-TW" altLang="en-US"/>
           </a:p>
@@ -735,10 +733,9 @@
           <a:lstStyle/>
           <a:p>
             <a:r>
-              <a:rPr lang="zh-TW" altLang="en-US" smtClean="0"/>
+              <a:rPr lang="zh-TW" altLang="en-US"/>
               <a:t>按一下以編輯母片標題樣式</a:t>
             </a:r>
-            <a:endParaRPr lang="zh-TW" altLang="en-US"/>
           </a:p>
         </p:txBody>
       </p:sp>
@@ -759,38 +756,37 @@
           <a:p>
             <a:pPr lvl="0"/>
             <a:r>
-              <a:rPr lang="zh-TW" altLang="en-US" smtClean="0"/>
+              <a:rPr lang="zh-TW" altLang="en-US"/>
               <a:t>按一下以編輯母片文字樣式</a:t>
             </a:r>
           </a:p>
           <a:p>
             <a:pPr lvl="1"/>
             <a:r>
-              <a:rPr lang="zh-TW" altLang="en-US" smtClean="0"/>
+              <a:rPr lang="zh-TW" altLang="en-US"/>
               <a:t>第二層</a:t>
             </a:r>
           </a:p>
           <a:p>
             <a:pPr lvl="2"/>
             <a:r>
-              <a:rPr lang="zh-TW" altLang="en-US" smtClean="0"/>
+              <a:rPr lang="zh-TW" altLang="en-US"/>
               <a:t>第三層</a:t>
             </a:r>
           </a:p>
           <a:p>
             <a:pPr lvl="3"/>
             <a:r>
-              <a:rPr lang="zh-TW" altLang="en-US" smtClean="0"/>
+              <a:rPr lang="zh-TW" altLang="en-US"/>
               <a:t>第四層</a:t>
             </a:r>
           </a:p>
           <a:p>
             <a:pPr lvl="4"/>
             <a:r>
-              <a:rPr lang="zh-TW" altLang="en-US" smtClean="0"/>
+              <a:rPr lang="zh-TW" altLang="en-US"/>
               <a:t>第五層</a:t>
             </a:r>
-            <a:endParaRPr lang="zh-TW" altLang="en-US"/>
           </a:p>
         </p:txBody>
       </p:sp>
@@ -811,7 +807,7 @@
           <a:p>
             <a:fld id="{78DF4E36-B60B-48CB-BA79-838C2F0482A8}" type="datetimeFigureOut">
               <a:rPr lang="zh-TW" altLang="en-US" smtClean="0"/>
-              <a:t>2020/7/10</a:t>
+              <a:t>2023/12/9</a:t>
             </a:fld>
             <a:endParaRPr lang="zh-TW" altLang="en-US"/>
           </a:p>
@@ -909,10 +905,9 @@
           </a:lstStyle>
           <a:p>
             <a:r>
-              <a:rPr lang="zh-TW" altLang="en-US" smtClean="0"/>
+              <a:rPr lang="zh-TW" altLang="en-US"/>
               <a:t>按一下以編輯母片標題樣式</a:t>
             </a:r>
-            <a:endParaRPr lang="zh-TW" altLang="en-US"/>
           </a:p>
         </p:txBody>
       </p:sp>
@@ -1029,7 +1024,7 @@
           <a:p>
             <a:pPr lvl="0"/>
             <a:r>
-              <a:rPr lang="zh-TW" altLang="en-US" smtClean="0"/>
+              <a:rPr lang="zh-TW" altLang="en-US"/>
               <a:t>按一下以編輯母片文字樣式</a:t>
             </a:r>
           </a:p>
@@ -1052,7 +1047,7 @@
           <a:p>
             <a:fld id="{78DF4E36-B60B-48CB-BA79-838C2F0482A8}" type="datetimeFigureOut">
               <a:rPr lang="zh-TW" altLang="en-US" smtClean="0"/>
-              <a:t>2020/7/10</a:t>
+              <a:t>2023/12/9</a:t>
             </a:fld>
             <a:endParaRPr lang="zh-TW" altLang="en-US"/>
           </a:p>
@@ -1141,10 +1136,9 @@
           <a:lstStyle/>
           <a:p>
             <a:r>
-              <a:rPr lang="zh-TW" altLang="en-US" smtClean="0"/>
+              <a:rPr lang="zh-TW" altLang="en-US"/>
               <a:t>按一下以編輯母片標題樣式</a:t>
             </a:r>
-            <a:endParaRPr lang="zh-TW" altLang="en-US"/>
           </a:p>
         </p:txBody>
       </p:sp>
@@ -1198,38 +1192,37 @@
           <a:p>
             <a:pPr lvl="0"/>
             <a:r>
-              <a:rPr lang="zh-TW" altLang="en-US" smtClean="0"/>
+              <a:rPr lang="zh-TW" altLang="en-US"/>
               <a:t>按一下以編輯母片文字樣式</a:t>
             </a:r>
           </a:p>
           <a:p>
             <a:pPr lvl="1"/>
             <a:r>
-              <a:rPr lang="zh-TW" altLang="en-US" smtClean="0"/>
+              <a:rPr lang="zh-TW" altLang="en-US"/>
               <a:t>第二層</a:t>
             </a:r>
           </a:p>
           <a:p>
             <a:pPr lvl="2"/>
             <a:r>
-              <a:rPr lang="zh-TW" altLang="en-US" smtClean="0"/>
+              <a:rPr lang="zh-TW" altLang="en-US"/>
               <a:t>第三層</a:t>
             </a:r>
           </a:p>
           <a:p>
             <a:pPr lvl="3"/>
             <a:r>
-              <a:rPr lang="zh-TW" altLang="en-US" smtClean="0"/>
+              <a:rPr lang="zh-TW" altLang="en-US"/>
               <a:t>第四層</a:t>
             </a:r>
           </a:p>
           <a:p>
             <a:pPr lvl="4"/>
             <a:r>
-              <a:rPr lang="zh-TW" altLang="en-US" smtClean="0"/>
+              <a:rPr lang="zh-TW" altLang="en-US"/>
               <a:t>第五層</a:t>
             </a:r>
-            <a:endParaRPr lang="zh-TW" altLang="en-US"/>
           </a:p>
         </p:txBody>
       </p:sp>
@@ -1283,38 +1276,37 @@
           <a:p>
             <a:pPr lvl="0"/>
             <a:r>
-              <a:rPr lang="zh-TW" altLang="en-US" smtClean="0"/>
+              <a:rPr lang="zh-TW" altLang="en-US"/>
               <a:t>按一下以編輯母片文字樣式</a:t>
             </a:r>
           </a:p>
           <a:p>
             <a:pPr lvl="1"/>
             <a:r>
-              <a:rPr lang="zh-TW" altLang="en-US" smtClean="0"/>
+              <a:rPr lang="zh-TW" altLang="en-US"/>
               <a:t>第二層</a:t>
             </a:r>
           </a:p>
           <a:p>
             <a:pPr lvl="2"/>
             <a:r>
-              <a:rPr lang="zh-TW" altLang="en-US" smtClean="0"/>
+              <a:rPr lang="zh-TW" altLang="en-US"/>
               <a:t>第三層</a:t>
             </a:r>
           </a:p>
           <a:p>
             <a:pPr lvl="3"/>
             <a:r>
-              <a:rPr lang="zh-TW" altLang="en-US" smtClean="0"/>
+              <a:rPr lang="zh-TW" altLang="en-US"/>
               <a:t>第四層</a:t>
             </a:r>
           </a:p>
           <a:p>
             <a:pPr lvl="4"/>
             <a:r>
-              <a:rPr lang="zh-TW" altLang="en-US" smtClean="0"/>
+              <a:rPr lang="zh-TW" altLang="en-US"/>
               <a:t>第五層</a:t>
             </a:r>
-            <a:endParaRPr lang="zh-TW" altLang="en-US"/>
           </a:p>
         </p:txBody>
       </p:sp>
@@ -1335,7 +1327,7 @@
           <a:p>
             <a:fld id="{78DF4E36-B60B-48CB-BA79-838C2F0482A8}" type="datetimeFigureOut">
               <a:rPr lang="zh-TW" altLang="en-US" smtClean="0"/>
-              <a:t>2020/7/10</a:t>
+              <a:t>2023/12/9</a:t>
             </a:fld>
             <a:endParaRPr lang="zh-TW" altLang="en-US"/>
           </a:p>
@@ -1428,10 +1420,9 @@
           </a:lstStyle>
           <a:p>
             <a:r>
-              <a:rPr lang="zh-TW" altLang="en-US" smtClean="0"/>
+              <a:rPr lang="zh-TW" altLang="en-US"/>
               <a:t>按一下以編輯母片標題樣式</a:t>
             </a:r>
-            <a:endParaRPr lang="zh-TW" altLang="en-US"/>
           </a:p>
         </p:txBody>
       </p:sp>
@@ -1494,7 +1485,7 @@
           <a:p>
             <a:pPr lvl="0"/>
             <a:r>
-              <a:rPr lang="zh-TW" altLang="en-US" smtClean="0"/>
+              <a:rPr lang="zh-TW" altLang="en-US"/>
               <a:t>按一下以編輯母片文字樣式</a:t>
             </a:r>
           </a:p>
@@ -1550,38 +1541,37 @@
           <a:p>
             <a:pPr lvl="0"/>
             <a:r>
-              <a:rPr lang="zh-TW" altLang="en-US" smtClean="0"/>
+              <a:rPr lang="zh-TW" altLang="en-US"/>
               <a:t>按一下以編輯母片文字樣式</a:t>
             </a:r>
           </a:p>
           <a:p>
             <a:pPr lvl="1"/>
             <a:r>
-              <a:rPr lang="zh-TW" altLang="en-US" smtClean="0"/>
+              <a:rPr lang="zh-TW" altLang="en-US"/>
               <a:t>第二層</a:t>
             </a:r>
           </a:p>
           <a:p>
             <a:pPr lvl="2"/>
             <a:r>
-              <a:rPr lang="zh-TW" altLang="en-US" smtClean="0"/>
+              <a:rPr lang="zh-TW" altLang="en-US"/>
               <a:t>第三層</a:t>
             </a:r>
           </a:p>
           <a:p>
             <a:pPr lvl="3"/>
             <a:r>
-              <a:rPr lang="zh-TW" altLang="en-US" smtClean="0"/>
+              <a:rPr lang="zh-TW" altLang="en-US"/>
               <a:t>第四層</a:t>
             </a:r>
           </a:p>
           <a:p>
             <a:pPr lvl="4"/>
             <a:r>
-              <a:rPr lang="zh-TW" altLang="en-US" smtClean="0"/>
+              <a:rPr lang="zh-TW" altLang="en-US"/>
               <a:t>第五層</a:t>
             </a:r>
-            <a:endParaRPr lang="zh-TW" altLang="en-US"/>
           </a:p>
         </p:txBody>
       </p:sp>
@@ -1644,7 +1634,7 @@
           <a:p>
             <a:pPr lvl="0"/>
             <a:r>
-              <a:rPr lang="zh-TW" altLang="en-US" smtClean="0"/>
+              <a:rPr lang="zh-TW" altLang="en-US"/>
               <a:t>按一下以編輯母片文字樣式</a:t>
             </a:r>
           </a:p>
@@ -1700,38 +1690,37 @@
           <a:p>
             <a:pPr lvl="0"/>
             <a:r>
-              <a:rPr lang="zh-TW" altLang="en-US" smtClean="0"/>
+              <a:rPr lang="zh-TW" altLang="en-US"/>
               <a:t>按一下以編輯母片文字樣式</a:t>
             </a:r>
           </a:p>
           <a:p>
             <a:pPr lvl="1"/>
             <a:r>
-              <a:rPr lang="zh-TW" altLang="en-US" smtClean="0"/>
+              <a:rPr lang="zh-TW" altLang="en-US"/>
               <a:t>第二層</a:t>
             </a:r>
           </a:p>
           <a:p>
             <a:pPr lvl="2"/>
             <a:r>
-              <a:rPr lang="zh-TW" altLang="en-US" smtClean="0"/>
+              <a:rPr lang="zh-TW" altLang="en-US"/>
               <a:t>第三層</a:t>
             </a:r>
           </a:p>
           <a:p>
             <a:pPr lvl="3"/>
             <a:r>
-              <a:rPr lang="zh-TW" altLang="en-US" smtClean="0"/>
+              <a:rPr lang="zh-TW" altLang="en-US"/>
               <a:t>第四層</a:t>
             </a:r>
           </a:p>
           <a:p>
             <a:pPr lvl="4"/>
             <a:r>
-              <a:rPr lang="zh-TW" altLang="en-US" smtClean="0"/>
+              <a:rPr lang="zh-TW" altLang="en-US"/>
               <a:t>第五層</a:t>
             </a:r>
-            <a:endParaRPr lang="zh-TW" altLang="en-US"/>
           </a:p>
         </p:txBody>
       </p:sp>
@@ -1752,7 +1741,7 @@
           <a:p>
             <a:fld id="{78DF4E36-B60B-48CB-BA79-838C2F0482A8}" type="datetimeFigureOut">
               <a:rPr lang="zh-TW" altLang="en-US" smtClean="0"/>
-              <a:t>2020/7/10</a:t>
+              <a:t>2023/12/9</a:t>
             </a:fld>
             <a:endParaRPr lang="zh-TW" altLang="en-US"/>
           </a:p>
@@ -1841,10 +1830,9 @@
           <a:lstStyle/>
           <a:p>
             <a:r>
-              <a:rPr lang="zh-TW" altLang="en-US" smtClean="0"/>
+              <a:rPr lang="zh-TW" altLang="en-US"/>
               <a:t>按一下以編輯母片標題樣式</a:t>
             </a:r>
-            <a:endParaRPr lang="zh-TW" altLang="en-US"/>
           </a:p>
         </p:txBody>
       </p:sp>
@@ -1865,7 +1853,7 @@
           <a:p>
             <a:fld id="{78DF4E36-B60B-48CB-BA79-838C2F0482A8}" type="datetimeFigureOut">
               <a:rPr lang="zh-TW" altLang="en-US" smtClean="0"/>
-              <a:t>2020/7/10</a:t>
+              <a:t>2023/12/9</a:t>
             </a:fld>
             <a:endParaRPr lang="zh-TW" altLang="en-US"/>
           </a:p>
@@ -1955,7 +1943,7 @@
           <a:p>
             <a:fld id="{78DF4E36-B60B-48CB-BA79-838C2F0482A8}" type="datetimeFigureOut">
               <a:rPr lang="zh-TW" altLang="en-US" smtClean="0"/>
-              <a:t>2020/7/10</a:t>
+              <a:t>2023/12/9</a:t>
             </a:fld>
             <a:endParaRPr lang="zh-TW" altLang="en-US"/>
           </a:p>
@@ -2053,10 +2041,9 @@
           </a:lstStyle>
           <a:p>
             <a:r>
-              <a:rPr lang="zh-TW" altLang="en-US" smtClean="0"/>
+              <a:rPr lang="zh-TW" altLang="en-US"/>
               <a:t>按一下以編輯母片標題樣式</a:t>
             </a:r>
-            <a:endParaRPr lang="zh-TW" altLang="en-US"/>
           </a:p>
         </p:txBody>
       </p:sp>
@@ -2110,38 +2097,37 @@
           <a:p>
             <a:pPr lvl="0"/>
             <a:r>
-              <a:rPr lang="zh-TW" altLang="en-US" smtClean="0"/>
+              <a:rPr lang="zh-TW" altLang="en-US"/>
               <a:t>按一下以編輯母片文字樣式</a:t>
             </a:r>
           </a:p>
           <a:p>
             <a:pPr lvl="1"/>
             <a:r>
-              <a:rPr lang="zh-TW" altLang="en-US" smtClean="0"/>
+              <a:rPr lang="zh-TW" altLang="en-US"/>
               <a:t>第二層</a:t>
             </a:r>
           </a:p>
           <a:p>
             <a:pPr lvl="2"/>
             <a:r>
-              <a:rPr lang="zh-TW" altLang="en-US" smtClean="0"/>
+              <a:rPr lang="zh-TW" altLang="en-US"/>
               <a:t>第三層</a:t>
             </a:r>
           </a:p>
           <a:p>
             <a:pPr lvl="3"/>
             <a:r>
-              <a:rPr lang="zh-TW" altLang="en-US" smtClean="0"/>
+              <a:rPr lang="zh-TW" altLang="en-US"/>
               <a:t>第四層</a:t>
             </a:r>
           </a:p>
           <a:p>
             <a:pPr lvl="4"/>
             <a:r>
-              <a:rPr lang="zh-TW" altLang="en-US" smtClean="0"/>
+              <a:rPr lang="zh-TW" altLang="en-US"/>
               <a:t>第五層</a:t>
             </a:r>
-            <a:endParaRPr lang="zh-TW" altLang="en-US"/>
           </a:p>
         </p:txBody>
       </p:sp>
@@ -2204,7 +2190,7 @@
           <a:p>
             <a:pPr lvl="0"/>
             <a:r>
-              <a:rPr lang="zh-TW" altLang="en-US" smtClean="0"/>
+              <a:rPr lang="zh-TW" altLang="en-US"/>
               <a:t>按一下以編輯母片文字樣式</a:t>
             </a:r>
           </a:p>
@@ -2227,7 +2213,7 @@
           <a:p>
             <a:fld id="{78DF4E36-B60B-48CB-BA79-838C2F0482A8}" type="datetimeFigureOut">
               <a:rPr lang="zh-TW" altLang="en-US" smtClean="0"/>
-              <a:t>2020/7/10</a:t>
+              <a:t>2023/12/9</a:t>
             </a:fld>
             <a:endParaRPr lang="zh-TW" altLang="en-US"/>
           </a:p>
@@ -2325,10 +2311,9 @@
           </a:lstStyle>
           <a:p>
             <a:r>
-              <a:rPr lang="zh-TW" altLang="en-US" smtClean="0"/>
+              <a:rPr lang="zh-TW" altLang="en-US"/>
               <a:t>按一下以編輯母片標題樣式</a:t>
             </a:r>
-            <a:endParaRPr lang="zh-TW" altLang="en-US"/>
           </a:p>
         </p:txBody>
       </p:sp>
@@ -2390,10 +2375,9 @@
           </a:lstStyle>
           <a:p>
             <a:r>
-              <a:rPr lang="zh-TW" altLang="en-US" smtClean="0"/>
+              <a:rPr lang="zh-TW" altLang="en-US"/>
               <a:t>按一下圖示以新增圖片</a:t>
             </a:r>
-            <a:endParaRPr lang="zh-TW" altLang="en-US"/>
           </a:p>
         </p:txBody>
       </p:sp>
@@ -2456,7 +2440,7 @@
           <a:p>
             <a:pPr lvl="0"/>
             <a:r>
-              <a:rPr lang="zh-TW" altLang="en-US" smtClean="0"/>
+              <a:rPr lang="zh-TW" altLang="en-US"/>
               <a:t>按一下以編輯母片文字樣式</a:t>
             </a:r>
           </a:p>
@@ -2479,7 +2463,7 @@
           <a:p>
             <a:fld id="{78DF4E36-B60B-48CB-BA79-838C2F0482A8}" type="datetimeFigureOut">
               <a:rPr lang="zh-TW" altLang="en-US" smtClean="0"/>
-              <a:t>2020/7/10</a:t>
+              <a:t>2023/12/9</a:t>
             </a:fld>
             <a:endParaRPr lang="zh-TW" altLang="en-US"/>
           </a:p>
@@ -2588,10 +2572,9 @@
           <a:lstStyle/>
           <a:p>
             <a:r>
-              <a:rPr lang="zh-TW" altLang="en-US" smtClean="0"/>
+              <a:rPr lang="zh-TW" altLang="en-US"/>
               <a:t>按一下以編輯母片標題樣式</a:t>
             </a:r>
-            <a:endParaRPr lang="zh-TW" altLang="en-US"/>
           </a:p>
         </p:txBody>
       </p:sp>
@@ -2622,38 +2605,37 @@
           <a:p>
             <a:pPr lvl="0"/>
             <a:r>
-              <a:rPr lang="zh-TW" altLang="en-US" smtClean="0"/>
+              <a:rPr lang="zh-TW" altLang="en-US"/>
               <a:t>按一下以編輯母片文字樣式</a:t>
             </a:r>
           </a:p>
           <a:p>
             <a:pPr lvl="1"/>
             <a:r>
-              <a:rPr lang="zh-TW" altLang="en-US" smtClean="0"/>
+              <a:rPr lang="zh-TW" altLang="en-US"/>
               <a:t>第二層</a:t>
             </a:r>
           </a:p>
           <a:p>
             <a:pPr lvl="2"/>
             <a:r>
-              <a:rPr lang="zh-TW" altLang="en-US" smtClean="0"/>
+              <a:rPr lang="zh-TW" altLang="en-US"/>
               <a:t>第三層</a:t>
             </a:r>
           </a:p>
           <a:p>
             <a:pPr lvl="3"/>
             <a:r>
-              <a:rPr lang="zh-TW" altLang="en-US" smtClean="0"/>
+              <a:rPr lang="zh-TW" altLang="en-US"/>
               <a:t>第四層</a:t>
             </a:r>
           </a:p>
           <a:p>
             <a:pPr lvl="4"/>
             <a:r>
-              <a:rPr lang="zh-TW" altLang="en-US" smtClean="0"/>
+              <a:rPr lang="zh-TW" altLang="en-US"/>
               <a:t>第五層</a:t>
             </a:r>
-            <a:endParaRPr lang="zh-TW" altLang="en-US"/>
           </a:p>
         </p:txBody>
       </p:sp>
@@ -2692,7 +2674,7 @@
           <a:p>
             <a:fld id="{78DF4E36-B60B-48CB-BA79-838C2F0482A8}" type="datetimeFigureOut">
               <a:rPr lang="zh-TW" altLang="en-US" smtClean="0"/>
-              <a:t>2020/7/10</a:t>
+              <a:t>2023/12/9</a:t>
             </a:fld>
             <a:endParaRPr lang="zh-TW" altLang="en-US"/>
           </a:p>
@@ -3072,248 +3054,68 @@
             <p:ph type="title"/>
           </p:nvPr>
         </p:nvSpPr>
-        <p:spPr/>
+        <p:spPr>
+          <a:xfrm>
+            <a:off x="0" y="2660915"/>
+            <a:ext cx="12192000" cy="1143000"/>
+          </a:xfrm>
+        </p:spPr>
         <p:txBody>
           <a:bodyPr>
-            <a:normAutofit/>
+            <a:noAutofit/>
           </a:bodyPr>
           <a:lstStyle/>
           <a:p>
             <a:r>
-              <a:rPr lang="zh-TW" altLang="en-US" sz="4800" b="1" dirty="0" smtClean="0">
-                <a:solidFill>
-                  <a:srgbClr val="000066"/>
-                </a:solidFill>
+              <a:rPr lang="zh-TW" altLang="en-US" sz="7200" b="1" i="1" dirty="0">
+                <a:solidFill>
+                  <a:srgbClr val="002060"/>
+                </a:solidFill>
+                <a:effectLst>
+                  <a:outerShdw blurRad="38100" dist="38100" dir="2700000" algn="tl">
+                    <a:srgbClr val="000000">
+                      <a:alpha val="43137"/>
+                    </a:srgbClr>
+                  </a:outerShdw>
+                </a:effectLst>
                 <a:latin typeface="微軟正黑體" pitchFamily="34" charset="-120"/>
                 <a:ea typeface="微軟正黑體" pitchFamily="34" charset="-120"/>
               </a:rPr>
               <a:t>帶我進入</a:t>
             </a:r>
             <a:r>
-              <a:rPr lang="zh-CN" altLang="en-US" sz="4800" b="1" dirty="0" smtClean="0">
-                <a:solidFill>
-                  <a:srgbClr val="000066"/>
-                </a:solidFill>
+              <a:rPr lang="zh-CN" altLang="en-US" sz="7200" b="1" i="1" dirty="0">
+                <a:solidFill>
+                  <a:srgbClr val="002060"/>
+                </a:solidFill>
+                <a:effectLst>
+                  <a:outerShdw blurRad="38100" dist="38100" dir="2700000" algn="tl">
+                    <a:srgbClr val="000000">
+                      <a:alpha val="43137"/>
+                    </a:srgbClr>
+                  </a:outerShdw>
+                </a:effectLst>
                 <a:latin typeface="微軟正黑體" pitchFamily="34" charset="-120"/>
                 <a:ea typeface="微軟正黑體" pitchFamily="34" charset="-120"/>
               </a:rPr>
-              <a:t>袮</a:t>
-            </a:r>
-            <a:r>
-              <a:rPr lang="zh-TW" altLang="en-US" sz="4800" b="1" dirty="0" smtClean="0">
-                <a:solidFill>
-                  <a:srgbClr val="000066"/>
-                </a:solidFill>
+              <a:t>祢</a:t>
+            </a:r>
+            <a:r>
+              <a:rPr lang="zh-TW" altLang="en-US" sz="7200" b="1" i="1" dirty="0">
+                <a:solidFill>
+                  <a:srgbClr val="002060"/>
+                </a:solidFill>
+                <a:effectLst>
+                  <a:outerShdw blurRad="38100" dist="38100" dir="2700000" algn="tl">
+                    <a:srgbClr val="000000">
+                      <a:alpha val="43137"/>
+                    </a:srgbClr>
+                  </a:outerShdw>
+                </a:effectLst>
                 <a:latin typeface="微軟正黑體" pitchFamily="34" charset="-120"/>
                 <a:ea typeface="微軟正黑體" pitchFamily="34" charset="-120"/>
               </a:rPr>
               <a:t>同在</a:t>
-            </a:r>
-            <a:endParaRPr lang="zh-TW" altLang="en-US" sz="4800" b="1" dirty="0">
-              <a:solidFill>
-                <a:srgbClr val="000066"/>
-              </a:solidFill>
-              <a:latin typeface="微軟正黑體" pitchFamily="34" charset="-120"/>
-              <a:ea typeface="微軟正黑體" pitchFamily="34" charset="-120"/>
-            </a:endParaRPr>
-          </a:p>
-        </p:txBody>
-      </p:sp>
-      <p:sp>
-        <p:nvSpPr>
-          <p:cNvPr id="5" name="內容版面配置區 4"/>
-          <p:cNvSpPr>
-            <a:spLocks noGrp="1"/>
-          </p:cNvSpPr>
-          <p:nvPr>
-            <p:ph idx="1"/>
-          </p:nvPr>
-        </p:nvSpPr>
-        <p:spPr/>
-        <p:txBody>
-          <a:bodyPr>
-            <a:normAutofit/>
-          </a:bodyPr>
-          <a:lstStyle/>
-          <a:p>
-            <a:pPr algn="ctr">
-              <a:buNone/>
-            </a:pPr>
-            <a:r>
-              <a:rPr lang="zh-TW" altLang="en-US" sz="5400" b="1" dirty="0">
-                <a:solidFill>
-                  <a:srgbClr val="000066"/>
-                </a:solidFill>
-                <a:latin typeface="微軟正黑體" pitchFamily="34" charset="-120"/>
-                <a:ea typeface="微軟正黑體" pitchFamily="34" charset="-120"/>
-              </a:rPr>
-              <a:t>萬軍耶和華</a:t>
-            </a:r>
-            <a:endParaRPr lang="en-US" altLang="zh-TW" sz="5400" b="1" dirty="0">
-              <a:solidFill>
-                <a:srgbClr val="000066"/>
-              </a:solidFill>
-              <a:latin typeface="微軟正黑體" pitchFamily="34" charset="-120"/>
-              <a:ea typeface="微軟正黑體" pitchFamily="34" charset="-120"/>
-            </a:endParaRPr>
-          </a:p>
-          <a:p>
-            <a:pPr algn="ctr">
-              <a:buNone/>
-            </a:pPr>
-            <a:r>
-              <a:rPr lang="zh-CN" altLang="en-US" sz="5400" b="1" dirty="0">
-                <a:solidFill>
-                  <a:srgbClr val="000066"/>
-                </a:solidFill>
-                <a:latin typeface="微軟正黑體" pitchFamily="34" charset="-120"/>
-                <a:ea typeface="微軟正黑體" pitchFamily="34" charset="-120"/>
-              </a:rPr>
-              <a:t>袮</a:t>
-            </a:r>
-            <a:r>
-              <a:rPr lang="zh-TW" altLang="en-US" sz="5400" b="1" dirty="0" smtClean="0">
-                <a:solidFill>
-                  <a:srgbClr val="000066"/>
-                </a:solidFill>
-                <a:latin typeface="微軟正黑體" pitchFamily="34" charset="-120"/>
-                <a:ea typeface="微軟正黑體" pitchFamily="34" charset="-120"/>
-              </a:rPr>
-              <a:t>的</a:t>
-            </a:r>
-            <a:r>
-              <a:rPr lang="zh-TW" altLang="en-US" sz="5400" b="1" dirty="0">
-                <a:solidFill>
-                  <a:srgbClr val="000066"/>
-                </a:solidFill>
-                <a:latin typeface="微軟正黑體" pitchFamily="34" charset="-120"/>
-                <a:ea typeface="微軟正黑體" pitchFamily="34" charset="-120"/>
-              </a:rPr>
-              <a:t>居所何等可愛</a:t>
-            </a:r>
-            <a:endParaRPr lang="en-US" altLang="zh-TW" sz="5400" b="1" dirty="0">
-              <a:solidFill>
-                <a:srgbClr val="000066"/>
-              </a:solidFill>
-              <a:latin typeface="微軟正黑體" pitchFamily="34" charset="-120"/>
-              <a:ea typeface="微軟正黑體" pitchFamily="34" charset="-120"/>
-            </a:endParaRPr>
-          </a:p>
-          <a:p>
-            <a:pPr algn="ctr">
-              <a:buNone/>
-            </a:pPr>
-            <a:r>
-              <a:rPr lang="zh-TW" altLang="en-US" sz="5400" b="1" dirty="0">
-                <a:solidFill>
-                  <a:srgbClr val="000066"/>
-                </a:solidFill>
-                <a:latin typeface="微軟正黑體" pitchFamily="34" charset="-120"/>
-                <a:ea typeface="微軟正黑體" pitchFamily="34" charset="-120"/>
-              </a:rPr>
-              <a:t>我羨慕渴</a:t>
-            </a:r>
-            <a:r>
-              <a:rPr lang="zh-TW" altLang="en-US" sz="5400" b="1" dirty="0" smtClean="0">
-                <a:solidFill>
-                  <a:srgbClr val="000066"/>
-                </a:solidFill>
-                <a:latin typeface="微軟正黑體" pitchFamily="34" charset="-120"/>
-                <a:ea typeface="微軟正黑體" pitchFamily="34" charset="-120"/>
-              </a:rPr>
-              <a:t>想</a:t>
-            </a:r>
-            <a:r>
-              <a:rPr lang="zh-CN" altLang="en-US" sz="5400" b="1" dirty="0">
-                <a:solidFill>
-                  <a:srgbClr val="000066"/>
-                </a:solidFill>
-                <a:latin typeface="微軟正黑體" pitchFamily="34" charset="-120"/>
-                <a:ea typeface="微軟正黑體" pitchFamily="34" charset="-120"/>
-              </a:rPr>
-              <a:t>袮</a:t>
-            </a:r>
-            <a:r>
-              <a:rPr lang="zh-TW" altLang="en-US" sz="5400" b="1" dirty="0" smtClean="0">
-                <a:solidFill>
-                  <a:srgbClr val="000066"/>
-                </a:solidFill>
-                <a:latin typeface="微軟正黑體" pitchFamily="34" charset="-120"/>
-                <a:ea typeface="微軟正黑體" pitchFamily="34" charset="-120"/>
-              </a:rPr>
-              <a:t>的</a:t>
-            </a:r>
-            <a:r>
-              <a:rPr lang="zh-TW" altLang="en-US" sz="5400" b="1" dirty="0">
-                <a:solidFill>
-                  <a:srgbClr val="000066"/>
-                </a:solidFill>
-                <a:latin typeface="微軟正黑體" pitchFamily="34" charset="-120"/>
-                <a:ea typeface="微軟正黑體" pitchFamily="34" charset="-120"/>
-              </a:rPr>
-              <a:t>院宇</a:t>
-            </a:r>
-            <a:endParaRPr lang="en-US" altLang="zh-TW" sz="5400" b="1" dirty="0">
-              <a:solidFill>
-                <a:srgbClr val="000066"/>
-              </a:solidFill>
-              <a:latin typeface="微軟正黑體" pitchFamily="34" charset="-120"/>
-              <a:ea typeface="微軟正黑體" pitchFamily="34" charset="-120"/>
-            </a:endParaRPr>
-          </a:p>
-          <a:p>
-            <a:pPr algn="ctr">
-              <a:buNone/>
-            </a:pPr>
-            <a:r>
-              <a:rPr lang="zh-TW" altLang="en-US" sz="5400" b="1" dirty="0">
-                <a:solidFill>
-                  <a:srgbClr val="000066"/>
-                </a:solidFill>
-                <a:latin typeface="微軟正黑體" pitchFamily="34" charset="-120"/>
-                <a:ea typeface="微軟正黑體" pitchFamily="34" charset="-120"/>
-              </a:rPr>
-              <a:t>我心腸肉體</a:t>
-            </a:r>
-            <a:r>
-              <a:rPr lang="zh-TW" altLang="en-US" sz="5400" b="1" dirty="0" smtClean="0">
-                <a:solidFill>
-                  <a:srgbClr val="000066"/>
-                </a:solidFill>
-                <a:latin typeface="微軟正黑體" pitchFamily="34" charset="-120"/>
-                <a:ea typeface="微軟正黑體" pitchFamily="34" charset="-120"/>
-              </a:rPr>
-              <a:t>向</a:t>
-            </a:r>
-            <a:r>
-              <a:rPr lang="zh-CN" altLang="en-US" sz="5400" b="1" dirty="0">
-                <a:solidFill>
-                  <a:srgbClr val="000066"/>
-                </a:solidFill>
-                <a:latin typeface="微軟正黑體" pitchFamily="34" charset="-120"/>
-                <a:ea typeface="微軟正黑體" pitchFamily="34" charset="-120"/>
-              </a:rPr>
-              <a:t>袮</a:t>
-            </a:r>
-            <a:r>
-              <a:rPr lang="zh-TW" altLang="en-US" sz="5400" b="1" dirty="0" smtClean="0">
-                <a:solidFill>
-                  <a:srgbClr val="000066"/>
-                </a:solidFill>
-                <a:latin typeface="微軟正黑體" pitchFamily="34" charset="-120"/>
-                <a:ea typeface="微軟正黑體" pitchFamily="34" charset="-120"/>
-              </a:rPr>
-              <a:t>呼</a:t>
-            </a:r>
-            <a:r>
-              <a:rPr lang="zh-TW" altLang="en-US" sz="5400" b="1" dirty="0">
-                <a:solidFill>
-                  <a:srgbClr val="000066"/>
-                </a:solidFill>
-                <a:latin typeface="微軟正黑體" pitchFamily="34" charset="-120"/>
-                <a:ea typeface="微軟正黑體" pitchFamily="34" charset="-120"/>
-              </a:rPr>
-              <a:t>籲</a:t>
             </a:r>
           </a:p>
         </p:txBody>
@@ -3345,52 +3147,40 @@
       </p:grpSpPr>
       <p:sp>
         <p:nvSpPr>
-          <p:cNvPr id="4" name="標題 3"/>
-          <p:cNvSpPr>
-            <a:spLocks noGrp="1"/>
-          </p:cNvSpPr>
-          <p:nvPr>
-            <p:ph type="title"/>
-          </p:nvPr>
-        </p:nvSpPr>
-        <p:spPr/>
-        <p:txBody>
-          <a:bodyPr>
+          <p:cNvPr id="5" name="內容版面配置區 4"/>
+          <p:cNvSpPr>
+            <a:spLocks noGrp="1"/>
+          </p:cNvSpPr>
+          <p:nvPr>
+            <p:ph idx="1"/>
+          </p:nvPr>
+        </p:nvSpPr>
+        <p:spPr>
+          <a:xfrm>
+            <a:off x="0" y="2084851"/>
+            <a:ext cx="12192000" cy="2404863"/>
+          </a:xfrm>
+        </p:spPr>
+        <p:txBody>
+          <a:bodyPr anchor="ctr">
             <a:normAutofit/>
           </a:bodyPr>
           <a:lstStyle/>
           <a:p>
-            <a:r>
-              <a:rPr lang="zh-TW" altLang="en-US" sz="4800" b="1" dirty="0">
+            <a:pPr algn="ctr">
+              <a:buNone/>
+            </a:pPr>
+            <a:r>
+              <a:rPr lang="zh-TW" altLang="en-US" sz="6400" b="1" dirty="0">
                 <a:solidFill>
                   <a:srgbClr val="000066"/>
                 </a:solidFill>
                 <a:latin typeface="微軟正黑體" pitchFamily="34" charset="-120"/>
                 <a:ea typeface="微軟正黑體" pitchFamily="34" charset="-120"/>
               </a:rPr>
-              <a:t>帶我進入</a:t>
-            </a:r>
-            <a:r>
-              <a:rPr lang="zh-CN" altLang="en-US" sz="4800" b="1" dirty="0">
-                <a:solidFill>
-                  <a:srgbClr val="000066"/>
-                </a:solidFill>
-                <a:latin typeface="微軟正黑體" pitchFamily="34" charset="-120"/>
-                <a:ea typeface="微軟正黑體" pitchFamily="34" charset="-120"/>
-              </a:rPr>
-              <a:t>袮</a:t>
-            </a:r>
-            <a:r>
-              <a:rPr lang="zh-TW" altLang="en-US" sz="4800" b="1" dirty="0">
-                <a:solidFill>
-                  <a:srgbClr val="000066"/>
-                </a:solidFill>
-                <a:latin typeface="微軟正黑體" pitchFamily="34" charset="-120"/>
-                <a:ea typeface="微軟正黑體" pitchFamily="34" charset="-120"/>
-              </a:rPr>
-              <a:t>同在</a:t>
-            </a:r>
-            <a:endParaRPr lang="zh-TW" altLang="en-US" sz="4800" b="1" dirty="0">
+              <a:t>萬軍耶和華</a:t>
+            </a:r>
+            <a:endParaRPr lang="en-US" altLang="zh-TW" sz="6400" b="1" dirty="0">
               <a:solidFill>
                 <a:srgbClr val="000066"/>
               </a:solidFill>
@@ -3398,79 +3188,31 @@
               <a:ea typeface="微軟正黑體" pitchFamily="34" charset="-120"/>
             </a:endParaRPr>
           </a:p>
-        </p:txBody>
-      </p:sp>
-      <p:sp>
-        <p:nvSpPr>
-          <p:cNvPr id="5" name="內容版面配置區 4"/>
-          <p:cNvSpPr>
-            <a:spLocks noGrp="1"/>
-          </p:cNvSpPr>
-          <p:nvPr>
-            <p:ph idx="1"/>
-          </p:nvPr>
-        </p:nvSpPr>
-        <p:spPr/>
-        <p:txBody>
-          <a:bodyPr>
-            <a:normAutofit/>
-          </a:bodyPr>
-          <a:lstStyle/>
           <a:p>
             <a:pPr algn="ctr">
               <a:buNone/>
             </a:pPr>
             <a:r>
-              <a:rPr lang="zh-TW" altLang="en-US" sz="5400" b="1" dirty="0">
+              <a:rPr lang="zh-CN" altLang="en-US" sz="6400" b="1" dirty="0">
                 <a:solidFill>
                   <a:srgbClr val="000066"/>
                 </a:solidFill>
                 <a:latin typeface="微軟正黑體" pitchFamily="34" charset="-120"/>
                 <a:ea typeface="微軟正黑體" pitchFamily="34" charset="-120"/>
               </a:rPr>
-              <a:t>帶我進</a:t>
-            </a:r>
-            <a:r>
-              <a:rPr lang="zh-TW" altLang="en-US" sz="5400" b="1" dirty="0" smtClean="0">
+              <a:t>祢</a:t>
+            </a:r>
+            <a:r>
+              <a:rPr lang="zh-TW" altLang="en-US" sz="6400" b="1" dirty="0">
                 <a:solidFill>
                   <a:srgbClr val="000066"/>
                 </a:solidFill>
                 <a:latin typeface="微軟正黑體" pitchFamily="34" charset="-120"/>
                 <a:ea typeface="微軟正黑體" pitchFamily="34" charset="-120"/>
               </a:rPr>
-              <a:t>入</a:t>
-            </a:r>
-            <a:r>
-              <a:rPr lang="zh-CN" altLang="en-US" sz="5400" b="1" dirty="0">
-                <a:solidFill>
-                  <a:srgbClr val="000066"/>
-                </a:solidFill>
-                <a:latin typeface="微軟正黑體" pitchFamily="34" charset="-120"/>
-                <a:ea typeface="微軟正黑體" pitchFamily="34" charset="-120"/>
-              </a:rPr>
-              <a:t>袮</a:t>
-            </a:r>
-            <a:r>
-              <a:rPr lang="zh-TW" altLang="en-US" sz="5400" b="1" dirty="0" smtClean="0">
-                <a:solidFill>
-                  <a:srgbClr val="000066"/>
-                </a:solidFill>
-                <a:latin typeface="微軟正黑體" pitchFamily="34" charset="-120"/>
-                <a:ea typeface="微軟正黑體" pitchFamily="34" charset="-120"/>
-              </a:rPr>
-              <a:t>的</a:t>
-            </a:r>
-            <a:r>
-              <a:rPr lang="zh-TW" altLang="en-US" sz="5400" b="1" dirty="0">
-                <a:solidFill>
-                  <a:srgbClr val="000066"/>
-                </a:solidFill>
-                <a:latin typeface="微軟正黑體" pitchFamily="34" charset="-120"/>
-                <a:ea typeface="微軟正黑體" pitchFamily="34" charset="-120"/>
-              </a:rPr>
-              <a:t>同在</a:t>
-            </a:r>
-            <a:endParaRPr lang="en-US" altLang="zh-TW" sz="5400" b="1" dirty="0">
+              <a:t>的居所何等可愛</a:t>
+            </a:r>
+            <a:endParaRPr lang="en-US" altLang="zh-TW" sz="6400" b="1" dirty="0">
               <a:solidFill>
                 <a:srgbClr val="000066"/>
               </a:solidFill>
@@ -3478,144 +3220,67 @@
               <a:ea typeface="微軟正黑體" pitchFamily="34" charset="-120"/>
             </a:endParaRPr>
           </a:p>
-          <a:p>
-            <a:pPr algn="ctr">
-              <a:buNone/>
-            </a:pPr>
-            <a:r>
-              <a:rPr lang="zh-TW" altLang="en-US" sz="5400" b="1" dirty="0">
-                <a:solidFill>
-                  <a:srgbClr val="000066"/>
-                </a:solidFill>
-                <a:latin typeface="微軟正黑體" pitchFamily="34" charset="-120"/>
-                <a:ea typeface="微軟正黑體" pitchFamily="34" charset="-120"/>
-              </a:rPr>
-              <a:t>我不滿足只停留現在</a:t>
-            </a:r>
-            <a:endParaRPr lang="en-US" altLang="zh-TW" sz="5400" b="1" dirty="0">
+        </p:txBody>
+      </p:sp>
+      <p:sp>
+        <p:nvSpPr>
+          <p:cNvPr id="3" name="TextBox 2"/>
+          <p:cNvSpPr txBox="1"/>
+          <p:nvPr/>
+        </p:nvSpPr>
+        <p:spPr>
+          <a:xfrm>
+            <a:off x="0" y="5157192"/>
+            <a:ext cx="12192000" cy="666786"/>
+          </a:xfrm>
+          <a:prstGeom prst="rect">
+            <a:avLst/>
+          </a:prstGeom>
+          <a:noFill/>
+        </p:spPr>
+        <p:txBody>
+          <a:bodyPr wrap="square" rtlCol="0">
+            <a:spAutoFit/>
+          </a:bodyPr>
+          <a:lstStyle/>
+          <a:p>
+            <a:pPr algn="ctr"/>
+            <a:r>
+              <a:rPr lang="en-US" sz="3733" b="1" dirty="0">
+                <a:solidFill>
+                  <a:srgbClr val="000066"/>
+                </a:solidFill>
+                <a:latin typeface="Microsoft JhengHei" panose="020B0604030504040204" pitchFamily="34" charset="-120"/>
+                <a:ea typeface="Microsoft JhengHei" panose="020B0604030504040204" pitchFamily="34" charset="-120"/>
+              </a:rPr>
+              <a:t>( </a:t>
+            </a:r>
+            <a:r>
+              <a:rPr lang="zh-CN" altLang="en-US" sz="3733" b="1" dirty="0">
+                <a:solidFill>
+                  <a:srgbClr val="000066"/>
+                </a:solidFill>
+                <a:latin typeface="Microsoft JhengHei" panose="020B0604030504040204" pitchFamily="34" charset="-120"/>
+                <a:ea typeface="Microsoft JhengHei" panose="020B0604030504040204" pitchFamily="34" charset="-120"/>
+              </a:rPr>
+              <a:t>正歌</a:t>
+            </a:r>
+            <a:r>
+              <a:rPr lang="en-US" sz="3733" b="1" dirty="0">
+                <a:solidFill>
+                  <a:srgbClr val="000066"/>
+                </a:solidFill>
+                <a:latin typeface="Microsoft JhengHei" panose="020B0604030504040204" pitchFamily="34" charset="-120"/>
+                <a:ea typeface="Microsoft JhengHei" panose="020B0604030504040204" pitchFamily="34" charset="-120"/>
+              </a:rPr>
+              <a:t> )</a:t>
+            </a:r>
+            <a:endParaRPr lang="vi-VN" sz="3733" b="1" dirty="0">
               <a:solidFill>
                 <a:srgbClr val="000066"/>
               </a:solidFill>
-              <a:latin typeface="微軟正黑體" pitchFamily="34" charset="-120"/>
-              <a:ea typeface="微軟正黑體" pitchFamily="34" charset="-120"/>
+              <a:ea typeface="Microsoft JhengHei" panose="020B0604030504040204" pitchFamily="34" charset="-120"/>
             </a:endParaRPr>
-          </a:p>
-          <a:p>
-            <a:pPr algn="ctr">
-              <a:buNone/>
-            </a:pPr>
-            <a:r>
-              <a:rPr lang="zh-TW" altLang="en-US" sz="5400" b="1" dirty="0">
-                <a:solidFill>
-                  <a:srgbClr val="000066"/>
-                </a:solidFill>
-                <a:latin typeface="微軟正黑體" pitchFamily="34" charset="-120"/>
-                <a:ea typeface="微軟正黑體" pitchFamily="34" charset="-120"/>
-              </a:rPr>
-              <a:t>帶我進</a:t>
-            </a:r>
-            <a:r>
-              <a:rPr lang="zh-TW" altLang="en-US" sz="5400" b="1" dirty="0" smtClean="0">
-                <a:solidFill>
-                  <a:srgbClr val="000066"/>
-                </a:solidFill>
-                <a:latin typeface="微軟正黑體" pitchFamily="34" charset="-120"/>
-                <a:ea typeface="微軟正黑體" pitchFamily="34" charset="-120"/>
-              </a:rPr>
-              <a:t>入</a:t>
-            </a:r>
-            <a:r>
-              <a:rPr lang="zh-CN" altLang="en-US" sz="5400" b="1" dirty="0">
-                <a:solidFill>
-                  <a:srgbClr val="000066"/>
-                </a:solidFill>
-                <a:latin typeface="微軟正黑體" pitchFamily="34" charset="-120"/>
-                <a:ea typeface="微軟正黑體" pitchFamily="34" charset="-120"/>
-              </a:rPr>
-              <a:t>袮</a:t>
-            </a:r>
-            <a:r>
-              <a:rPr lang="zh-TW" altLang="en-US" sz="5400" b="1" dirty="0" smtClean="0">
-                <a:solidFill>
-                  <a:srgbClr val="000066"/>
-                </a:solidFill>
-                <a:latin typeface="微軟正黑體" pitchFamily="34" charset="-120"/>
-                <a:ea typeface="微軟正黑體" pitchFamily="34" charset="-120"/>
-              </a:rPr>
-              <a:t>的</a:t>
-            </a:r>
-            <a:r>
-              <a:rPr lang="zh-TW" altLang="en-US" sz="5400" b="1" dirty="0">
-                <a:solidFill>
-                  <a:srgbClr val="000066"/>
-                </a:solidFill>
-                <a:latin typeface="微軟正黑體" pitchFamily="34" charset="-120"/>
-                <a:ea typeface="微軟正黑體" pitchFamily="34" charset="-120"/>
-              </a:rPr>
-              <a:t>同在</a:t>
-            </a:r>
-            <a:endParaRPr lang="en-US" altLang="zh-TW" sz="5400" b="1" dirty="0">
-              <a:solidFill>
-                <a:srgbClr val="000066"/>
-              </a:solidFill>
-              <a:latin typeface="微軟正黑體" pitchFamily="34" charset="-120"/>
-              <a:ea typeface="微軟正黑體" pitchFamily="34" charset="-120"/>
-            </a:endParaRPr>
-          </a:p>
-          <a:p>
-            <a:pPr algn="ctr">
-              <a:buNone/>
-            </a:pPr>
-            <a:r>
-              <a:rPr lang="zh-TW" altLang="en-US" sz="5400" b="1" dirty="0">
-                <a:solidFill>
-                  <a:srgbClr val="000066"/>
-                </a:solidFill>
-                <a:latin typeface="微軟正黑體" pitchFamily="34" charset="-120"/>
-                <a:ea typeface="微軟正黑體" pitchFamily="34" charset="-120"/>
-              </a:rPr>
-              <a:t>我心渴</a:t>
-            </a:r>
-            <a:r>
-              <a:rPr lang="zh-TW" altLang="en-US" sz="5400" b="1" dirty="0" smtClean="0">
-                <a:solidFill>
-                  <a:srgbClr val="000066"/>
-                </a:solidFill>
-                <a:latin typeface="微軟正黑體" pitchFamily="34" charset="-120"/>
-                <a:ea typeface="微軟正黑體" pitchFamily="34" charset="-120"/>
-              </a:rPr>
-              <a:t>慕</a:t>
-            </a:r>
-            <a:r>
-              <a:rPr lang="zh-CN" altLang="en-US" sz="5400" b="1" dirty="0">
-                <a:solidFill>
-                  <a:srgbClr val="000066"/>
-                </a:solidFill>
-                <a:latin typeface="微軟正黑體" pitchFamily="34" charset="-120"/>
-                <a:ea typeface="微軟正黑體" pitchFamily="34" charset="-120"/>
-              </a:rPr>
-              <a:t>袮</a:t>
-            </a:r>
-            <a:r>
-              <a:rPr lang="zh-TW" altLang="en-US" sz="5400" b="1" dirty="0" smtClean="0">
-                <a:solidFill>
-                  <a:srgbClr val="000066"/>
-                </a:solidFill>
-                <a:latin typeface="微軟正黑體" pitchFamily="34" charset="-120"/>
-                <a:ea typeface="微軟正黑體" pitchFamily="34" charset="-120"/>
-              </a:rPr>
-              <a:t>永</a:t>
-            </a:r>
-            <a:r>
-              <a:rPr lang="zh-TW" altLang="en-US" sz="5400" b="1" dirty="0">
-                <a:solidFill>
-                  <a:srgbClr val="000066"/>
-                </a:solidFill>
-                <a:latin typeface="微軟正黑體" pitchFamily="34" charset="-120"/>
-                <a:ea typeface="微軟正黑體" pitchFamily="34" charset="-120"/>
-              </a:rPr>
-              <a:t>恆的愛</a:t>
-            </a:r>
           </a:p>
         </p:txBody>
       </p:sp>
@@ -3646,52 +3311,60 @@
       </p:grpSpPr>
       <p:sp>
         <p:nvSpPr>
-          <p:cNvPr id="4" name="標題 3"/>
-          <p:cNvSpPr>
-            <a:spLocks noGrp="1"/>
-          </p:cNvSpPr>
-          <p:nvPr>
-            <p:ph type="title"/>
-          </p:nvPr>
-        </p:nvSpPr>
-        <p:spPr/>
-        <p:txBody>
-          <a:bodyPr>
+          <p:cNvPr id="5" name="內容版面配置區 4"/>
+          <p:cNvSpPr>
+            <a:spLocks noGrp="1"/>
+          </p:cNvSpPr>
+          <p:nvPr>
+            <p:ph idx="1"/>
+          </p:nvPr>
+        </p:nvSpPr>
+        <p:spPr>
+          <a:xfrm>
+            <a:off x="0" y="2084851"/>
+            <a:ext cx="12192000" cy="2404863"/>
+          </a:xfrm>
+        </p:spPr>
+        <p:txBody>
+          <a:bodyPr anchor="ctr">
             <a:normAutofit/>
           </a:bodyPr>
           <a:lstStyle/>
           <a:p>
-            <a:r>
-              <a:rPr lang="zh-TW" altLang="en-US" sz="4800" b="1" dirty="0">
+            <a:pPr algn="ctr">
+              <a:buNone/>
+            </a:pPr>
+            <a:r>
+              <a:rPr lang="zh-TW" altLang="en-US" sz="6400" b="1" dirty="0">
                 <a:solidFill>
                   <a:srgbClr val="000066"/>
                 </a:solidFill>
                 <a:latin typeface="微軟正黑體" pitchFamily="34" charset="-120"/>
                 <a:ea typeface="微軟正黑體" pitchFamily="34" charset="-120"/>
               </a:rPr>
-              <a:t>帶我進入</a:t>
-            </a:r>
-            <a:r>
-              <a:rPr lang="zh-CN" altLang="en-US" sz="4800" b="1" dirty="0">
+              <a:t>我羨慕渴想</a:t>
+            </a:r>
+            <a:r>
+              <a:rPr lang="zh-CN" altLang="en-US" sz="6400" b="1" dirty="0">
                 <a:solidFill>
                   <a:srgbClr val="000066"/>
                 </a:solidFill>
                 <a:latin typeface="微軟正黑體" pitchFamily="34" charset="-120"/>
                 <a:ea typeface="微軟正黑體" pitchFamily="34" charset="-120"/>
               </a:rPr>
-              <a:t>袮</a:t>
-            </a:r>
-            <a:r>
-              <a:rPr lang="zh-TW" altLang="en-US" sz="4800" b="1" dirty="0">
+              <a:t>祢</a:t>
+            </a:r>
+            <a:r>
+              <a:rPr lang="zh-TW" altLang="en-US" sz="6400" b="1" dirty="0">
                 <a:solidFill>
                   <a:srgbClr val="000066"/>
                 </a:solidFill>
                 <a:latin typeface="微軟正黑體" pitchFamily="34" charset="-120"/>
                 <a:ea typeface="微軟正黑體" pitchFamily="34" charset="-120"/>
               </a:rPr>
-              <a:t>同在</a:t>
-            </a:r>
-            <a:endParaRPr lang="zh-TW" altLang="en-US" sz="4800" b="1" dirty="0">
+              <a:t>的院宇</a:t>
+            </a:r>
+            <a:endParaRPr lang="en-US" altLang="zh-TW" sz="6400" b="1" dirty="0">
               <a:solidFill>
                 <a:srgbClr val="000066"/>
               </a:solidFill>
@@ -3699,8 +3372,135 @@
               <a:ea typeface="微軟正黑體" pitchFamily="34" charset="-120"/>
             </a:endParaRPr>
           </a:p>
-        </p:txBody>
-      </p:sp>
+          <a:p>
+            <a:pPr algn="ctr">
+              <a:buNone/>
+            </a:pPr>
+            <a:r>
+              <a:rPr lang="zh-TW" altLang="en-US" sz="6400" b="1" dirty="0">
+                <a:solidFill>
+                  <a:srgbClr val="000066"/>
+                </a:solidFill>
+                <a:latin typeface="微軟正黑體" pitchFamily="34" charset="-120"/>
+                <a:ea typeface="微軟正黑體" pitchFamily="34" charset="-120"/>
+              </a:rPr>
+              <a:t>我心腸肉體向</a:t>
+            </a:r>
+            <a:r>
+              <a:rPr lang="zh-CN" altLang="en-US" sz="6400" b="1" dirty="0">
+                <a:solidFill>
+                  <a:srgbClr val="000066"/>
+                </a:solidFill>
+                <a:latin typeface="微軟正黑體" pitchFamily="34" charset="-120"/>
+                <a:ea typeface="微軟正黑體" pitchFamily="34" charset="-120"/>
+              </a:rPr>
+              <a:t>祢</a:t>
+            </a:r>
+            <a:r>
+              <a:rPr lang="zh-TW" altLang="en-US" sz="6400" b="1" dirty="0">
+                <a:solidFill>
+                  <a:srgbClr val="000066"/>
+                </a:solidFill>
+                <a:latin typeface="微軟正黑體" pitchFamily="34" charset="-120"/>
+                <a:ea typeface="微軟正黑體" pitchFamily="34" charset="-120"/>
+              </a:rPr>
+              <a:t>呼籲</a:t>
+            </a:r>
+          </a:p>
+        </p:txBody>
+      </p:sp>
+      <p:sp>
+        <p:nvSpPr>
+          <p:cNvPr id="3" name="TextBox 2"/>
+          <p:cNvSpPr txBox="1"/>
+          <p:nvPr/>
+        </p:nvSpPr>
+        <p:spPr>
+          <a:xfrm>
+            <a:off x="0" y="5157192"/>
+            <a:ext cx="12192000" cy="666786"/>
+          </a:xfrm>
+          <a:prstGeom prst="rect">
+            <a:avLst/>
+          </a:prstGeom>
+          <a:noFill/>
+        </p:spPr>
+        <p:txBody>
+          <a:bodyPr wrap="square" rtlCol="0">
+            <a:spAutoFit/>
+          </a:bodyPr>
+          <a:lstStyle/>
+          <a:p>
+            <a:pPr algn="ctr"/>
+            <a:r>
+              <a:rPr lang="en-US" sz="3733" b="1" dirty="0">
+                <a:solidFill>
+                  <a:srgbClr val="000066"/>
+                </a:solidFill>
+                <a:latin typeface="Microsoft JhengHei" panose="020B0604030504040204" pitchFamily="34" charset="-120"/>
+                <a:ea typeface="Microsoft JhengHei" panose="020B0604030504040204" pitchFamily="34" charset="-120"/>
+              </a:rPr>
+              <a:t>( </a:t>
+            </a:r>
+            <a:r>
+              <a:rPr lang="zh-CN" altLang="en-US" sz="3733" b="1" dirty="0">
+                <a:solidFill>
+                  <a:srgbClr val="000066"/>
+                </a:solidFill>
+                <a:latin typeface="Microsoft JhengHei" panose="020B0604030504040204" pitchFamily="34" charset="-120"/>
+                <a:ea typeface="Microsoft JhengHei" panose="020B0604030504040204" pitchFamily="34" charset="-120"/>
+              </a:rPr>
+              <a:t>正歌</a:t>
+            </a:r>
+            <a:r>
+              <a:rPr lang="en-US" sz="3733" b="1" dirty="0">
+                <a:solidFill>
+                  <a:srgbClr val="000066"/>
+                </a:solidFill>
+                <a:latin typeface="Microsoft JhengHei" panose="020B0604030504040204" pitchFamily="34" charset="-120"/>
+                <a:ea typeface="Microsoft JhengHei" panose="020B0604030504040204" pitchFamily="34" charset="-120"/>
+              </a:rPr>
+              <a:t> )</a:t>
+            </a:r>
+            <a:endParaRPr lang="vi-VN" sz="3733" b="1" dirty="0">
+              <a:solidFill>
+                <a:srgbClr val="000066"/>
+              </a:solidFill>
+              <a:ea typeface="Microsoft JhengHei" panose="020B0604030504040204" pitchFamily="34" charset="-120"/>
+            </a:endParaRPr>
+          </a:p>
+        </p:txBody>
+      </p:sp>
+    </p:spTree>
+    <p:extLst>
+      <p:ext uri="{BB962C8B-B14F-4D97-AF65-F5344CB8AC3E}">
+        <p14:creationId xmlns:p14="http://schemas.microsoft.com/office/powerpoint/2010/main" val="919613939"/>
+      </p:ext>
+    </p:extLst>
+  </p:cSld>
+  <p:clrMapOvr>
+    <a:masterClrMapping/>
+  </p:clrMapOvr>
+</p:sld>
+</file>
+
+<file path=ppt/slides/slide4.xml><?xml version="1.0" encoding="utf-8"?>
+<p:sld xmlns:a="http://schemas.openxmlformats.org/drawingml/2006/main" xmlns:r="http://schemas.openxmlformats.org/officeDocument/2006/relationships" xmlns:p="http://schemas.openxmlformats.org/presentationml/2006/main">
+  <p:cSld>
+    <p:spTree>
+      <p:nvGrpSpPr>
+        <p:cNvPr id="1" name=""/>
+        <p:cNvGrpSpPr/>
+        <p:nvPr/>
+      </p:nvGrpSpPr>
+      <p:grpSpPr>
+        <a:xfrm>
+          <a:off x="0" y="0"/>
+          <a:ext cx="0" cy="0"/>
+          <a:chOff x="0" y="0"/>
+          <a:chExt cx="0" cy="0"/>
+        </a:xfrm>
+      </p:grpSpPr>
       <p:sp>
         <p:nvSpPr>
           <p:cNvPr id="5" name="內容版面配置區 4"/>
@@ -3711,9 +3511,14 @@
             <p:ph idx="1"/>
           </p:nvPr>
         </p:nvSpPr>
-        <p:spPr/>
-        <p:txBody>
-          <a:bodyPr>
+        <p:spPr>
+          <a:xfrm>
+            <a:off x="0" y="2084851"/>
+            <a:ext cx="12192000" cy="2404863"/>
+          </a:xfrm>
+        </p:spPr>
+        <p:txBody>
+          <a:bodyPr anchor="ctr">
             <a:normAutofit/>
           </a:bodyPr>
           <a:lstStyle/>
@@ -3722,46 +3527,36 @@
               <a:buNone/>
             </a:pPr>
             <a:r>
-              <a:rPr lang="zh-TW" altLang="en-US" sz="5400" b="1" dirty="0" smtClean="0">
+              <a:rPr lang="zh-TW" altLang="en-US" sz="6400" b="1" dirty="0">
                 <a:solidFill>
                   <a:srgbClr val="000066"/>
                 </a:solidFill>
                 <a:latin typeface="微軟正黑體" pitchFamily="34" charset="-120"/>
                 <a:ea typeface="微軟正黑體" pitchFamily="34" charset="-120"/>
               </a:rPr>
-              <a:t>願</a:t>
-            </a:r>
-            <a:r>
-              <a:rPr lang="zh-CN" altLang="en-US" sz="5400" b="1" dirty="0">
+              <a:t>帶我進入</a:t>
+            </a:r>
+            <a:r>
+              <a:rPr lang="zh-CN" altLang="en-US" sz="6400" b="1" dirty="0">
                 <a:solidFill>
                   <a:srgbClr val="000066"/>
                 </a:solidFill>
                 <a:latin typeface="微軟正黑體" pitchFamily="34" charset="-120"/>
                 <a:ea typeface="微軟正黑體" pitchFamily="34" charset="-120"/>
               </a:rPr>
-              <a:t>袮</a:t>
-            </a:r>
-            <a:r>
-              <a:rPr lang="zh-TW" altLang="en-US" sz="5400" b="1" dirty="0" smtClean="0">
+              <a:t>祢</a:t>
+            </a:r>
+            <a:r>
+              <a:rPr lang="zh-TW" altLang="en-US" sz="6400" b="1" dirty="0">
                 <a:solidFill>
                   <a:srgbClr val="000066"/>
                 </a:solidFill>
                 <a:latin typeface="微軟正黑體" pitchFamily="34" charset="-120"/>
                 <a:ea typeface="微軟正黑體" pitchFamily="34" charset="-120"/>
               </a:rPr>
-              <a:t>的</a:t>
-            </a:r>
-            <a:r>
-              <a:rPr lang="zh-TW" altLang="en-US" sz="5400" b="1" dirty="0">
-                <a:solidFill>
-                  <a:srgbClr val="000066"/>
-                </a:solidFill>
-                <a:latin typeface="微軟正黑體" pitchFamily="34" charset="-120"/>
-                <a:ea typeface="微軟正黑體" pitchFamily="34" charset="-120"/>
-              </a:rPr>
-              <a:t>榮耀從天降下來</a:t>
-            </a:r>
-            <a:endParaRPr lang="en-US" altLang="zh-TW" sz="5400" b="1" dirty="0">
+              <a:t>的同在</a:t>
+            </a:r>
+            <a:endParaRPr lang="en-US" altLang="zh-TW" sz="6400" b="1" dirty="0">
               <a:solidFill>
                 <a:srgbClr val="000066"/>
               </a:solidFill>
@@ -3774,56 +3569,16 @@
               <a:buNone/>
             </a:pPr>
             <a:r>
-              <a:rPr lang="zh-TW" altLang="en-US" sz="5400" b="1" dirty="0">
+              <a:rPr lang="zh-TW" altLang="en-US" sz="6400" b="1" dirty="0">
                 <a:solidFill>
                   <a:srgbClr val="000066"/>
                 </a:solidFill>
                 <a:latin typeface="微軟正黑體" pitchFamily="34" charset="-120"/>
                 <a:ea typeface="微軟正黑體" pitchFamily="34" charset="-120"/>
               </a:rPr>
-              <a:t>燃燒每顆愛</a:t>
-            </a:r>
-            <a:r>
-              <a:rPr lang="zh-TW" altLang="en-US" sz="5400" b="1" dirty="0" smtClean="0">
-                <a:solidFill>
-                  <a:srgbClr val="000066"/>
-                </a:solidFill>
-                <a:latin typeface="微軟正黑體" pitchFamily="34" charset="-120"/>
-                <a:ea typeface="微軟正黑體" pitchFamily="34" charset="-120"/>
-              </a:rPr>
-              <a:t>慕</a:t>
-            </a:r>
-            <a:r>
-              <a:rPr lang="zh-CN" altLang="en-US" sz="5400" b="1" dirty="0">
-                <a:solidFill>
-                  <a:srgbClr val="000066"/>
-                </a:solidFill>
-                <a:latin typeface="微軟正黑體" pitchFamily="34" charset="-120"/>
-                <a:ea typeface="微軟正黑體" pitchFamily="34" charset="-120"/>
-              </a:rPr>
-              <a:t>袮</a:t>
-            </a:r>
-            <a:r>
-              <a:rPr lang="zh-TW" altLang="en-US" sz="5400" b="1" dirty="0" smtClean="0">
-                <a:solidFill>
-                  <a:srgbClr val="000066"/>
-                </a:solidFill>
-                <a:latin typeface="微軟正黑體" pitchFamily="34" charset="-120"/>
-                <a:ea typeface="微軟正黑體" pitchFamily="34" charset="-120"/>
-              </a:rPr>
-              <a:t>的</a:t>
-            </a:r>
-            <a:r>
-              <a:rPr lang="zh-TW" altLang="en-US" sz="5400" b="1" dirty="0">
-                <a:solidFill>
-                  <a:srgbClr val="000066"/>
-                </a:solidFill>
-                <a:latin typeface="微軟正黑體" pitchFamily="34" charset="-120"/>
-                <a:ea typeface="微軟正黑體" pitchFamily="34" charset="-120"/>
-              </a:rPr>
-              <a:t>心</a:t>
-            </a:r>
-            <a:endParaRPr lang="en-US" altLang="zh-TW" sz="5400" b="1" dirty="0">
+              <a:t>我不滿足只停留現在</a:t>
+            </a:r>
+            <a:endParaRPr lang="en-US" altLang="zh-TW" sz="6400" b="1" dirty="0">
               <a:solidFill>
                 <a:srgbClr val="000066"/>
               </a:solidFill>
@@ -3831,51 +3586,156 @@
               <a:ea typeface="微軟正黑體" pitchFamily="34" charset="-120"/>
             </a:endParaRPr>
           </a:p>
+        </p:txBody>
+      </p:sp>
+      <p:sp>
+        <p:nvSpPr>
+          <p:cNvPr id="3" name="TextBox 2"/>
+          <p:cNvSpPr txBox="1"/>
+          <p:nvPr/>
+        </p:nvSpPr>
+        <p:spPr>
+          <a:xfrm>
+            <a:off x="0" y="5157192"/>
+            <a:ext cx="12192000" cy="666786"/>
+          </a:xfrm>
+          <a:prstGeom prst="rect">
+            <a:avLst/>
+          </a:prstGeom>
+          <a:noFill/>
+        </p:spPr>
+        <p:txBody>
+          <a:bodyPr wrap="square" rtlCol="0">
+            <a:spAutoFit/>
+          </a:bodyPr>
+          <a:lstStyle/>
+          <a:p>
+            <a:pPr algn="ctr"/>
+            <a:r>
+              <a:rPr lang="en-US" sz="3733" b="1" dirty="0">
+                <a:solidFill>
+                  <a:srgbClr val="000066"/>
+                </a:solidFill>
+                <a:latin typeface="Microsoft JhengHei" panose="020B0604030504040204" pitchFamily="34" charset="-120"/>
+                <a:ea typeface="Microsoft JhengHei" panose="020B0604030504040204" pitchFamily="34" charset="-120"/>
+              </a:rPr>
+              <a:t>( </a:t>
+            </a:r>
+            <a:r>
+              <a:rPr lang="zh-CN" altLang="en-US" sz="3733" b="1" dirty="0">
+                <a:solidFill>
+                  <a:srgbClr val="000066"/>
+                </a:solidFill>
+                <a:latin typeface="Microsoft JhengHei" panose="020B0604030504040204" pitchFamily="34" charset="-120"/>
+                <a:ea typeface="Microsoft JhengHei" panose="020B0604030504040204" pitchFamily="34" charset="-120"/>
+              </a:rPr>
+              <a:t>前副歌</a:t>
+            </a:r>
+            <a:r>
+              <a:rPr lang="en-US" sz="3733" b="1" dirty="0">
+                <a:solidFill>
+                  <a:srgbClr val="000066"/>
+                </a:solidFill>
+                <a:latin typeface="Microsoft JhengHei" panose="020B0604030504040204" pitchFamily="34" charset="-120"/>
+                <a:ea typeface="Microsoft JhengHei" panose="020B0604030504040204" pitchFamily="34" charset="-120"/>
+              </a:rPr>
+              <a:t> )</a:t>
+            </a:r>
+            <a:endParaRPr lang="vi-VN" sz="3733" b="1" dirty="0">
+              <a:solidFill>
+                <a:srgbClr val="000066"/>
+              </a:solidFill>
+              <a:ea typeface="Microsoft JhengHei" panose="020B0604030504040204" pitchFamily="34" charset="-120"/>
+            </a:endParaRPr>
+          </a:p>
+        </p:txBody>
+      </p:sp>
+    </p:spTree>
+    <p:extLst>
+      <p:ext uri="{BB962C8B-B14F-4D97-AF65-F5344CB8AC3E}">
+        <p14:creationId xmlns:p14="http://schemas.microsoft.com/office/powerpoint/2010/main" val="3204364806"/>
+      </p:ext>
+    </p:extLst>
+  </p:cSld>
+  <p:clrMapOvr>
+    <a:masterClrMapping/>
+  </p:clrMapOvr>
+</p:sld>
+</file>
+
+<file path=ppt/slides/slide5.xml><?xml version="1.0" encoding="utf-8"?>
+<p:sld xmlns:a="http://schemas.openxmlformats.org/drawingml/2006/main" xmlns:r="http://schemas.openxmlformats.org/officeDocument/2006/relationships" xmlns:p="http://schemas.openxmlformats.org/presentationml/2006/main">
+  <p:cSld>
+    <p:spTree>
+      <p:nvGrpSpPr>
+        <p:cNvPr id="1" name=""/>
+        <p:cNvGrpSpPr/>
+        <p:nvPr/>
+      </p:nvGrpSpPr>
+      <p:grpSpPr>
+        <a:xfrm>
+          <a:off x="0" y="0"/>
+          <a:ext cx="0" cy="0"/>
+          <a:chOff x="0" y="0"/>
+          <a:chExt cx="0" cy="0"/>
+        </a:xfrm>
+      </p:grpSpPr>
+      <p:sp>
+        <p:nvSpPr>
+          <p:cNvPr id="5" name="內容版面配置區 4"/>
+          <p:cNvSpPr>
+            <a:spLocks noGrp="1"/>
+          </p:cNvSpPr>
+          <p:nvPr>
+            <p:ph idx="1"/>
+          </p:nvPr>
+        </p:nvSpPr>
+        <p:spPr>
+          <a:xfrm>
+            <a:off x="0" y="2084851"/>
+            <a:ext cx="12192000" cy="2404863"/>
+          </a:xfrm>
+        </p:spPr>
+        <p:txBody>
+          <a:bodyPr anchor="ctr">
+            <a:normAutofit/>
+          </a:bodyPr>
+          <a:lstStyle/>
           <a:p>
             <a:pPr algn="ctr">
               <a:buNone/>
             </a:pPr>
             <a:r>
-              <a:rPr lang="zh-TW" altLang="en-US" sz="5400" b="1" dirty="0" smtClean="0">
+              <a:rPr lang="zh-TW" altLang="en-US" sz="6400" b="1" dirty="0">
                 <a:solidFill>
                   <a:srgbClr val="000066"/>
                 </a:solidFill>
                 <a:latin typeface="微軟正黑體" pitchFamily="34" charset="-120"/>
                 <a:ea typeface="微軟正黑體" pitchFamily="34" charset="-120"/>
               </a:rPr>
-              <a:t>願</a:t>
-            </a:r>
-            <a:r>
-              <a:rPr lang="zh-CN" altLang="en-US" sz="5400" b="1" dirty="0">
+              <a:t>帶我進入</a:t>
+            </a:r>
+            <a:r>
+              <a:rPr lang="zh-CN" altLang="en-US" sz="6400" b="1" dirty="0">
                 <a:solidFill>
                   <a:srgbClr val="000066"/>
                 </a:solidFill>
                 <a:latin typeface="微軟正黑體" pitchFamily="34" charset="-120"/>
                 <a:ea typeface="微軟正黑體" pitchFamily="34" charset="-120"/>
               </a:rPr>
-              <a:t>袮</a:t>
-            </a:r>
-            <a:r>
-              <a:rPr lang="zh-TW" altLang="en-US" sz="5400" b="1" dirty="0" smtClean="0">
+              <a:t>祢</a:t>
+            </a:r>
+            <a:r>
+              <a:rPr lang="zh-TW" altLang="en-US" sz="6400" b="1" dirty="0">
                 <a:solidFill>
                   <a:srgbClr val="000066"/>
                 </a:solidFill>
                 <a:latin typeface="微軟正黑體" pitchFamily="34" charset="-120"/>
                 <a:ea typeface="微軟正黑體" pitchFamily="34" charset="-120"/>
               </a:rPr>
-              <a:t>的</a:t>
-            </a:r>
-            <a:r>
-              <a:rPr lang="zh-TW" altLang="en-US" sz="5400" b="1" dirty="0">
-                <a:solidFill>
-                  <a:srgbClr val="000066"/>
-                </a:solidFill>
-                <a:latin typeface="微軟正黑體" pitchFamily="34" charset="-120"/>
-                <a:ea typeface="微軟正黑體" pitchFamily="34" charset="-120"/>
-              </a:rPr>
-              <a:t>榮耀從天降下來</a:t>
-            </a:r>
-            <a:endParaRPr lang="en-US" altLang="zh-TW" sz="5400" b="1" dirty="0">
+              <a:t>的同在</a:t>
+            </a:r>
+            <a:endParaRPr lang="en-US" altLang="zh-TW" sz="6400" b="1" dirty="0">
               <a:solidFill>
                 <a:srgbClr val="000066"/>
               </a:solidFill>
@@ -3888,19 +3748,477 @@
               <a:buNone/>
             </a:pPr>
             <a:r>
-              <a:rPr lang="zh-TW" altLang="en-US" sz="5400" b="1" dirty="0">
+              <a:rPr lang="zh-TW" altLang="en-US" sz="6400" b="1" dirty="0">
                 <a:solidFill>
                   <a:srgbClr val="000066"/>
                 </a:solidFill>
                 <a:latin typeface="微軟正黑體" pitchFamily="34" charset="-120"/>
                 <a:ea typeface="微軟正黑體" pitchFamily="34" charset="-120"/>
               </a:rPr>
+              <a:t>我心渴慕</a:t>
+            </a:r>
+            <a:r>
+              <a:rPr lang="zh-CN" altLang="en-US" sz="6400" b="1" dirty="0">
+                <a:solidFill>
+                  <a:srgbClr val="000066"/>
+                </a:solidFill>
+                <a:latin typeface="微軟正黑體" pitchFamily="34" charset="-120"/>
+                <a:ea typeface="微軟正黑體" pitchFamily="34" charset="-120"/>
+              </a:rPr>
+              <a:t>祢</a:t>
+            </a:r>
+            <a:r>
+              <a:rPr lang="zh-TW" altLang="en-US" sz="6400" b="1" dirty="0">
+                <a:solidFill>
+                  <a:srgbClr val="000066"/>
+                </a:solidFill>
+                <a:latin typeface="微軟正黑體" pitchFamily="34" charset="-120"/>
+                <a:ea typeface="微軟正黑體" pitchFamily="34" charset="-120"/>
+              </a:rPr>
+              <a:t>永恆的愛</a:t>
+            </a:r>
+          </a:p>
+        </p:txBody>
+      </p:sp>
+      <p:sp>
+        <p:nvSpPr>
+          <p:cNvPr id="3" name="TextBox 2"/>
+          <p:cNvSpPr txBox="1"/>
+          <p:nvPr/>
+        </p:nvSpPr>
+        <p:spPr>
+          <a:xfrm>
+            <a:off x="0" y="5157192"/>
+            <a:ext cx="12192000" cy="666786"/>
+          </a:xfrm>
+          <a:prstGeom prst="rect">
+            <a:avLst/>
+          </a:prstGeom>
+          <a:noFill/>
+        </p:spPr>
+        <p:txBody>
+          <a:bodyPr wrap="square" rtlCol="0">
+            <a:spAutoFit/>
+          </a:bodyPr>
+          <a:lstStyle/>
+          <a:p>
+            <a:pPr algn="ctr"/>
+            <a:r>
+              <a:rPr lang="en-US" sz="3733" b="1" dirty="0">
+                <a:solidFill>
+                  <a:srgbClr val="000066"/>
+                </a:solidFill>
+                <a:latin typeface="Microsoft JhengHei" panose="020B0604030504040204" pitchFamily="34" charset="-120"/>
+                <a:ea typeface="Microsoft JhengHei" panose="020B0604030504040204" pitchFamily="34" charset="-120"/>
+              </a:rPr>
+              <a:t>( </a:t>
+            </a:r>
+            <a:r>
+              <a:rPr lang="zh-CN" altLang="en-US" sz="3733" b="1" dirty="0">
+                <a:solidFill>
+                  <a:srgbClr val="000066"/>
+                </a:solidFill>
+                <a:latin typeface="Microsoft JhengHei" panose="020B0604030504040204" pitchFamily="34" charset="-120"/>
+                <a:ea typeface="Microsoft JhengHei" panose="020B0604030504040204" pitchFamily="34" charset="-120"/>
+              </a:rPr>
+              <a:t>前副歌</a:t>
+            </a:r>
+            <a:r>
+              <a:rPr lang="en-US" sz="3733" b="1" dirty="0">
+                <a:solidFill>
+                  <a:srgbClr val="000066"/>
+                </a:solidFill>
+                <a:latin typeface="Microsoft JhengHei" panose="020B0604030504040204" pitchFamily="34" charset="-120"/>
+                <a:ea typeface="Microsoft JhengHei" panose="020B0604030504040204" pitchFamily="34" charset="-120"/>
+              </a:rPr>
+              <a:t> )</a:t>
+            </a:r>
+            <a:endParaRPr lang="vi-VN" sz="3733" b="1" dirty="0">
+              <a:solidFill>
+                <a:srgbClr val="000066"/>
+              </a:solidFill>
+              <a:ea typeface="Microsoft JhengHei" panose="020B0604030504040204" pitchFamily="34" charset="-120"/>
+            </a:endParaRPr>
+          </a:p>
+        </p:txBody>
+      </p:sp>
+    </p:spTree>
+    <p:extLst>
+      <p:ext uri="{BB962C8B-B14F-4D97-AF65-F5344CB8AC3E}">
+        <p14:creationId xmlns:p14="http://schemas.microsoft.com/office/powerpoint/2010/main" val="667808808"/>
+      </p:ext>
+    </p:extLst>
+  </p:cSld>
+  <p:clrMapOvr>
+    <a:masterClrMapping/>
+  </p:clrMapOvr>
+</p:sld>
+</file>
+
+<file path=ppt/slides/slide6.xml><?xml version="1.0" encoding="utf-8"?>
+<p:sld xmlns:a="http://schemas.openxmlformats.org/drawingml/2006/main" xmlns:r="http://schemas.openxmlformats.org/officeDocument/2006/relationships" xmlns:p="http://schemas.openxmlformats.org/presentationml/2006/main">
+  <p:cSld>
+    <p:spTree>
+      <p:nvGrpSpPr>
+        <p:cNvPr id="1" name=""/>
+        <p:cNvGrpSpPr/>
+        <p:nvPr/>
+      </p:nvGrpSpPr>
+      <p:grpSpPr>
+        <a:xfrm>
+          <a:off x="0" y="0"/>
+          <a:ext cx="0" cy="0"/>
+          <a:chOff x="0" y="0"/>
+          <a:chExt cx="0" cy="0"/>
+        </a:xfrm>
+      </p:grpSpPr>
+      <p:sp>
+        <p:nvSpPr>
+          <p:cNvPr id="5" name="內容版面配置區 4"/>
+          <p:cNvSpPr>
+            <a:spLocks noGrp="1"/>
+          </p:cNvSpPr>
+          <p:nvPr>
+            <p:ph idx="1"/>
+          </p:nvPr>
+        </p:nvSpPr>
+        <p:spPr>
+          <a:xfrm>
+            <a:off x="0" y="2084851"/>
+            <a:ext cx="12192000" cy="2404863"/>
+          </a:xfrm>
+        </p:spPr>
+        <p:txBody>
+          <a:bodyPr anchor="ctr">
+            <a:normAutofit/>
+          </a:bodyPr>
+          <a:lstStyle/>
+          <a:p>
+            <a:pPr algn="ctr">
+              <a:buNone/>
+            </a:pPr>
+            <a:r>
+              <a:rPr lang="zh-TW" altLang="en-US" sz="6400" b="1" dirty="0">
+                <a:solidFill>
+                  <a:srgbClr val="000066"/>
+                </a:solidFill>
+                <a:latin typeface="微軟正黑體" pitchFamily="34" charset="-120"/>
+                <a:ea typeface="微軟正黑體" pitchFamily="34" charset="-120"/>
+              </a:rPr>
+              <a:t>願</a:t>
+            </a:r>
+            <a:r>
+              <a:rPr lang="zh-CN" altLang="en-US" sz="6400" b="1" dirty="0">
+                <a:solidFill>
+                  <a:srgbClr val="000066"/>
+                </a:solidFill>
+                <a:latin typeface="微軟正黑體" pitchFamily="34" charset="-120"/>
+                <a:ea typeface="微軟正黑體" pitchFamily="34" charset="-120"/>
+              </a:rPr>
+              <a:t>祢</a:t>
+            </a:r>
+            <a:r>
+              <a:rPr lang="zh-TW" altLang="en-US" sz="6400" b="1" dirty="0">
+                <a:solidFill>
+                  <a:srgbClr val="000066"/>
+                </a:solidFill>
+                <a:latin typeface="微軟正黑體" pitchFamily="34" charset="-120"/>
+                <a:ea typeface="微軟正黑體" pitchFamily="34" charset="-120"/>
+              </a:rPr>
+              <a:t>的榮耀從天降下來</a:t>
+            </a:r>
+            <a:endParaRPr lang="en-US" altLang="zh-TW" sz="6400" b="1" dirty="0">
+              <a:solidFill>
+                <a:srgbClr val="000066"/>
+              </a:solidFill>
+              <a:latin typeface="微軟正黑體" pitchFamily="34" charset="-120"/>
+              <a:ea typeface="微軟正黑體" pitchFamily="34" charset="-120"/>
+            </a:endParaRPr>
+          </a:p>
+          <a:p>
+            <a:pPr algn="ctr">
+              <a:buNone/>
+            </a:pPr>
+            <a:r>
+              <a:rPr lang="zh-TW" altLang="en-US" sz="6400" b="1" dirty="0">
+                <a:solidFill>
+                  <a:srgbClr val="000066"/>
+                </a:solidFill>
+                <a:latin typeface="微軟正黑體" pitchFamily="34" charset="-120"/>
+                <a:ea typeface="微軟正黑體" pitchFamily="34" charset="-120"/>
+              </a:rPr>
+              <a:t>燃燒每顆愛慕</a:t>
+            </a:r>
+            <a:r>
+              <a:rPr lang="zh-CN" altLang="en-US" sz="6400" b="1" dirty="0">
+                <a:solidFill>
+                  <a:srgbClr val="000066"/>
+                </a:solidFill>
+                <a:latin typeface="微軟正黑體" pitchFamily="34" charset="-120"/>
+                <a:ea typeface="微軟正黑體" pitchFamily="34" charset="-120"/>
+              </a:rPr>
+              <a:t>祢</a:t>
+            </a:r>
+            <a:r>
+              <a:rPr lang="zh-TW" altLang="en-US" sz="6400" b="1" dirty="0">
+                <a:solidFill>
+                  <a:srgbClr val="000066"/>
+                </a:solidFill>
+                <a:latin typeface="微軟正黑體" pitchFamily="34" charset="-120"/>
+                <a:ea typeface="微軟正黑體" pitchFamily="34" charset="-120"/>
+              </a:rPr>
+              <a:t>的心</a:t>
+            </a:r>
+            <a:endParaRPr lang="en-US" altLang="zh-TW" sz="6400" b="1" dirty="0">
+              <a:solidFill>
+                <a:srgbClr val="000066"/>
+              </a:solidFill>
+              <a:latin typeface="微軟正黑體" pitchFamily="34" charset="-120"/>
+              <a:ea typeface="微軟正黑體" pitchFamily="34" charset="-120"/>
+            </a:endParaRPr>
+          </a:p>
+        </p:txBody>
+      </p:sp>
+      <p:sp>
+        <p:nvSpPr>
+          <p:cNvPr id="3" name="TextBox 2"/>
+          <p:cNvSpPr txBox="1"/>
+          <p:nvPr/>
+        </p:nvSpPr>
+        <p:spPr>
+          <a:xfrm>
+            <a:off x="0" y="5157192"/>
+            <a:ext cx="12192000" cy="666786"/>
+          </a:xfrm>
+          <a:prstGeom prst="rect">
+            <a:avLst/>
+          </a:prstGeom>
+          <a:noFill/>
+        </p:spPr>
+        <p:txBody>
+          <a:bodyPr wrap="square" rtlCol="0">
+            <a:spAutoFit/>
+          </a:bodyPr>
+          <a:lstStyle/>
+          <a:p>
+            <a:pPr algn="ctr"/>
+            <a:r>
+              <a:rPr lang="en-US" sz="3733" b="1" dirty="0">
+                <a:solidFill>
+                  <a:srgbClr val="000066"/>
+                </a:solidFill>
+                <a:latin typeface="Microsoft JhengHei" panose="020B0604030504040204" pitchFamily="34" charset="-120"/>
+                <a:ea typeface="Microsoft JhengHei" panose="020B0604030504040204" pitchFamily="34" charset="-120"/>
+              </a:rPr>
+              <a:t>( </a:t>
+            </a:r>
+            <a:r>
+              <a:rPr lang="zh-CN" altLang="en-US" sz="3733" b="1" dirty="0">
+                <a:solidFill>
+                  <a:srgbClr val="000066"/>
+                </a:solidFill>
+                <a:latin typeface="Microsoft JhengHei" panose="020B0604030504040204" pitchFamily="34" charset="-120"/>
+                <a:ea typeface="Microsoft JhengHei" panose="020B0604030504040204" pitchFamily="34" charset="-120"/>
+              </a:rPr>
+              <a:t>副歌</a:t>
+            </a:r>
+            <a:r>
+              <a:rPr lang="en-US" sz="3733" b="1" dirty="0">
+                <a:solidFill>
+                  <a:srgbClr val="000066"/>
+                </a:solidFill>
+                <a:latin typeface="Microsoft JhengHei" panose="020B0604030504040204" pitchFamily="34" charset="-120"/>
+                <a:ea typeface="Microsoft JhengHei" panose="020B0604030504040204" pitchFamily="34" charset="-120"/>
+              </a:rPr>
+              <a:t> )</a:t>
+            </a:r>
+            <a:endParaRPr lang="vi-VN" sz="3733" b="1" dirty="0">
+              <a:solidFill>
+                <a:srgbClr val="000066"/>
+              </a:solidFill>
+              <a:ea typeface="Microsoft JhengHei" panose="020B0604030504040204" pitchFamily="34" charset="-120"/>
+            </a:endParaRPr>
+          </a:p>
+        </p:txBody>
+      </p:sp>
+    </p:spTree>
+    <p:extLst>
+      <p:ext uri="{BB962C8B-B14F-4D97-AF65-F5344CB8AC3E}">
+        <p14:creationId xmlns:p14="http://schemas.microsoft.com/office/powerpoint/2010/main" val="1844288402"/>
+      </p:ext>
+    </p:extLst>
+  </p:cSld>
+  <p:clrMapOvr>
+    <a:masterClrMapping/>
+  </p:clrMapOvr>
+</p:sld>
+</file>
+
+<file path=ppt/slides/slide7.xml><?xml version="1.0" encoding="utf-8"?>
+<p:sld xmlns:a="http://schemas.openxmlformats.org/drawingml/2006/main" xmlns:r="http://schemas.openxmlformats.org/officeDocument/2006/relationships" xmlns:p="http://schemas.openxmlformats.org/presentationml/2006/main">
+  <p:cSld>
+    <p:spTree>
+      <p:nvGrpSpPr>
+        <p:cNvPr id="1" name=""/>
+        <p:cNvGrpSpPr/>
+        <p:nvPr/>
+      </p:nvGrpSpPr>
+      <p:grpSpPr>
+        <a:xfrm>
+          <a:off x="0" y="0"/>
+          <a:ext cx="0" cy="0"/>
+          <a:chOff x="0" y="0"/>
+          <a:chExt cx="0" cy="0"/>
+        </a:xfrm>
+      </p:grpSpPr>
+      <p:sp>
+        <p:nvSpPr>
+          <p:cNvPr id="5" name="內容版面配置區 4"/>
+          <p:cNvSpPr>
+            <a:spLocks noGrp="1"/>
+          </p:cNvSpPr>
+          <p:nvPr>
+            <p:ph idx="1"/>
+          </p:nvPr>
+        </p:nvSpPr>
+        <p:spPr>
+          <a:xfrm>
+            <a:off x="0" y="2084851"/>
+            <a:ext cx="12192000" cy="2404863"/>
+          </a:xfrm>
+        </p:spPr>
+        <p:txBody>
+          <a:bodyPr anchor="ctr">
+            <a:normAutofit/>
+          </a:bodyPr>
+          <a:lstStyle/>
+          <a:p>
+            <a:pPr algn="ctr">
+              <a:buNone/>
+            </a:pPr>
+            <a:r>
+              <a:rPr lang="zh-TW" altLang="en-US" sz="6400" b="1" dirty="0">
+                <a:solidFill>
+                  <a:srgbClr val="000066"/>
+                </a:solidFill>
+                <a:latin typeface="微軟正黑體" pitchFamily="34" charset="-120"/>
+                <a:ea typeface="微軟正黑體" pitchFamily="34" charset="-120"/>
+              </a:rPr>
+              <a:t>願</a:t>
+            </a:r>
+            <a:r>
+              <a:rPr lang="zh-CN" altLang="en-US" sz="6400" b="1" dirty="0">
+                <a:solidFill>
+                  <a:srgbClr val="000066"/>
+                </a:solidFill>
+                <a:latin typeface="微軟正黑體" pitchFamily="34" charset="-120"/>
+                <a:ea typeface="微軟正黑體" pitchFamily="34" charset="-120"/>
+              </a:rPr>
+              <a:t>祢</a:t>
+            </a:r>
+            <a:r>
+              <a:rPr lang="zh-TW" altLang="en-US" sz="6400" b="1" dirty="0">
+                <a:solidFill>
+                  <a:srgbClr val="000066"/>
+                </a:solidFill>
+                <a:latin typeface="微軟正黑體" pitchFamily="34" charset="-120"/>
+                <a:ea typeface="微軟正黑體" pitchFamily="34" charset="-120"/>
+              </a:rPr>
+              <a:t>的榮耀從天降下來</a:t>
+            </a:r>
+            <a:endParaRPr lang="en-US" altLang="zh-TW" sz="6400" b="1" dirty="0">
+              <a:solidFill>
+                <a:srgbClr val="000066"/>
+              </a:solidFill>
+              <a:latin typeface="微軟正黑體" pitchFamily="34" charset="-120"/>
+              <a:ea typeface="微軟正黑體" pitchFamily="34" charset="-120"/>
+            </a:endParaRPr>
+          </a:p>
+          <a:p>
+            <a:pPr algn="ctr">
+              <a:buNone/>
+            </a:pPr>
+            <a:r>
+              <a:rPr lang="zh-TW" altLang="en-US" sz="6400" b="1" dirty="0">
+                <a:solidFill>
+                  <a:srgbClr val="000066"/>
+                </a:solidFill>
+                <a:latin typeface="微軟正黑體" pitchFamily="34" charset="-120"/>
+                <a:ea typeface="微軟正黑體" pitchFamily="34" charset="-120"/>
+              </a:rPr>
               <a:t>充滿這地  與我們相遇</a:t>
             </a:r>
           </a:p>
         </p:txBody>
       </p:sp>
+      <p:sp>
+        <p:nvSpPr>
+          <p:cNvPr id="3" name="TextBox 2"/>
+          <p:cNvSpPr txBox="1"/>
+          <p:nvPr/>
+        </p:nvSpPr>
+        <p:spPr>
+          <a:xfrm>
+            <a:off x="0" y="5157192"/>
+            <a:ext cx="12192000" cy="666786"/>
+          </a:xfrm>
+          <a:prstGeom prst="rect">
+            <a:avLst/>
+          </a:prstGeom>
+          <a:noFill/>
+        </p:spPr>
+        <p:txBody>
+          <a:bodyPr wrap="square" rtlCol="0">
+            <a:spAutoFit/>
+          </a:bodyPr>
+          <a:lstStyle/>
+          <a:p>
+            <a:pPr algn="ctr"/>
+            <a:r>
+              <a:rPr lang="en-US" sz="3733" b="1" dirty="0">
+                <a:solidFill>
+                  <a:srgbClr val="000066"/>
+                </a:solidFill>
+                <a:latin typeface="Microsoft JhengHei" panose="020B0604030504040204" pitchFamily="34" charset="-120"/>
+                <a:ea typeface="Microsoft JhengHei" panose="020B0604030504040204" pitchFamily="34" charset="-120"/>
+              </a:rPr>
+              <a:t>( </a:t>
+            </a:r>
+            <a:r>
+              <a:rPr lang="zh-CN" altLang="en-US" sz="3733" b="1" dirty="0">
+                <a:solidFill>
+                  <a:srgbClr val="000066"/>
+                </a:solidFill>
+                <a:latin typeface="Microsoft JhengHei" panose="020B0604030504040204" pitchFamily="34" charset="-120"/>
+                <a:ea typeface="Microsoft JhengHei" panose="020B0604030504040204" pitchFamily="34" charset="-120"/>
+              </a:rPr>
+              <a:t>副歌</a:t>
+            </a:r>
+            <a:r>
+              <a:rPr lang="en-US" sz="3733" b="1">
+                <a:solidFill>
+                  <a:srgbClr val="000066"/>
+                </a:solidFill>
+                <a:latin typeface="Microsoft JhengHei" panose="020B0604030504040204" pitchFamily="34" charset="-120"/>
+                <a:ea typeface="Microsoft JhengHei" panose="020B0604030504040204" pitchFamily="34" charset="-120"/>
+              </a:rPr>
+              <a:t> )</a:t>
+            </a:r>
+            <a:endParaRPr lang="vi-VN" sz="3733" b="1" dirty="0">
+              <a:solidFill>
+                <a:srgbClr val="000066"/>
+              </a:solidFill>
+              <a:ea typeface="Microsoft JhengHei" panose="020B0604030504040204" pitchFamily="34" charset="-120"/>
+            </a:endParaRPr>
+          </a:p>
+        </p:txBody>
+      </p:sp>
     </p:spTree>
+    <p:extLst>
+      <p:ext uri="{BB962C8B-B14F-4D97-AF65-F5344CB8AC3E}">
+        <p14:creationId xmlns:p14="http://schemas.microsoft.com/office/powerpoint/2010/main" val="3321423199"/>
+      </p:ext>
+    </p:extLst>
   </p:cSld>
   <p:clrMapOvr>
     <a:masterClrMapping/>
